--- a/Presentation_updated.pptx
+++ b/Presentation_updated.pptx
@@ -121,2816 +121,6 @@
 </p:presentation>
 </file>
 
-<file path=ppt/diagrams/colors1.xml><?xml version="1.0" encoding="utf-8"?>
-<dgm:colorsDef xmlns:dgm="http://schemas.openxmlformats.org/drawingml/2006/diagram" xmlns:a="http://schemas.openxmlformats.org/drawingml/2006/main" uniqueId="urn:microsoft.com/office/officeart/2005/8/colors/accent1_2">
-  <dgm:title val=""/>
-  <dgm:desc val=""/>
-  <dgm:catLst>
-    <dgm:cat type="accent1" pri="11200"/>
-  </dgm:catLst>
-  <dgm:styleLbl name="node0">
-    <dgm:fillClrLst meth="repeat">
-      <a:schemeClr val="accent1"/>
-    </dgm:fillClrLst>
-    <dgm:linClrLst meth="repeat">
-      <a:schemeClr val="lt1"/>
-    </dgm:linClrLst>
-    <dgm:effectClrLst/>
-    <dgm:txLinClrLst/>
-    <dgm:txFillClrLst/>
-    <dgm:txEffectClrLst/>
-  </dgm:styleLbl>
-  <dgm:styleLbl name="alignNode1">
-    <dgm:fillClrLst meth="repeat">
-      <a:schemeClr val="accent1"/>
-    </dgm:fillClrLst>
-    <dgm:linClrLst meth="repeat">
-      <a:schemeClr val="accent1"/>
-    </dgm:linClrLst>
-    <dgm:effectClrLst/>
-    <dgm:txLinClrLst/>
-    <dgm:txFillClrLst/>
-    <dgm:txEffectClrLst/>
-  </dgm:styleLbl>
-  <dgm:styleLbl name="node1">
-    <dgm:fillClrLst meth="repeat">
-      <a:schemeClr val="accent1"/>
-    </dgm:fillClrLst>
-    <dgm:linClrLst meth="repeat">
-      <a:schemeClr val="lt1"/>
-    </dgm:linClrLst>
-    <dgm:effectClrLst/>
-    <dgm:txLinClrLst/>
-    <dgm:txFillClrLst/>
-    <dgm:txEffectClrLst/>
-  </dgm:styleLbl>
-  <dgm:styleLbl name="lnNode1">
-    <dgm:fillClrLst meth="repeat">
-      <a:schemeClr val="accent1"/>
-    </dgm:fillClrLst>
-    <dgm:linClrLst meth="repeat">
-      <a:schemeClr val="lt1"/>
-    </dgm:linClrLst>
-    <dgm:effectClrLst/>
-    <dgm:txLinClrLst/>
-    <dgm:txFillClrLst/>
-    <dgm:txEffectClrLst/>
-  </dgm:styleLbl>
-  <dgm:styleLbl name="vennNode1">
-    <dgm:fillClrLst meth="repeat">
-      <a:schemeClr val="accent1">
-        <a:alpha val="50000"/>
-      </a:schemeClr>
-    </dgm:fillClrLst>
-    <dgm:linClrLst meth="repeat">
-      <a:schemeClr val="lt1"/>
-    </dgm:linClrLst>
-    <dgm:effectClrLst/>
-    <dgm:txLinClrLst/>
-    <dgm:txFillClrLst/>
-    <dgm:txEffectClrLst/>
-  </dgm:styleLbl>
-  <dgm:styleLbl name="node2">
-    <dgm:fillClrLst meth="repeat">
-      <a:schemeClr val="accent1"/>
-    </dgm:fillClrLst>
-    <dgm:linClrLst meth="repeat">
-      <a:schemeClr val="lt1"/>
-    </dgm:linClrLst>
-    <dgm:effectClrLst/>
-    <dgm:txLinClrLst/>
-    <dgm:txFillClrLst/>
-    <dgm:txEffectClrLst/>
-  </dgm:styleLbl>
-  <dgm:styleLbl name="node3">
-    <dgm:fillClrLst meth="repeat">
-      <a:schemeClr val="accent1"/>
-    </dgm:fillClrLst>
-    <dgm:linClrLst meth="repeat">
-      <a:schemeClr val="lt1"/>
-    </dgm:linClrLst>
-    <dgm:effectClrLst/>
-    <dgm:txLinClrLst/>
-    <dgm:txFillClrLst/>
-    <dgm:txEffectClrLst/>
-  </dgm:styleLbl>
-  <dgm:styleLbl name="node4">
-    <dgm:fillClrLst meth="repeat">
-      <a:schemeClr val="accent1"/>
-    </dgm:fillClrLst>
-    <dgm:linClrLst meth="repeat">
-      <a:schemeClr val="lt1"/>
-    </dgm:linClrLst>
-    <dgm:effectClrLst/>
-    <dgm:txLinClrLst/>
-    <dgm:txFillClrLst/>
-    <dgm:txEffectClrLst/>
-  </dgm:styleLbl>
-  <dgm:styleLbl name="fgImgPlace1">
-    <dgm:fillClrLst meth="repeat">
-      <a:schemeClr val="accent1">
-        <a:tint val="50000"/>
-      </a:schemeClr>
-    </dgm:fillClrLst>
-    <dgm:linClrLst meth="repeat">
-      <a:schemeClr val="lt1"/>
-    </dgm:linClrLst>
-    <dgm:effectClrLst/>
-    <dgm:txLinClrLst/>
-    <dgm:txFillClrLst meth="repeat">
-      <a:schemeClr val="lt1"/>
-    </dgm:txFillClrLst>
-    <dgm:txEffectClrLst/>
-  </dgm:styleLbl>
-  <dgm:styleLbl name="alignImgPlace1">
-    <dgm:fillClrLst meth="repeat">
-      <a:schemeClr val="accent1">
-        <a:tint val="50000"/>
-      </a:schemeClr>
-    </dgm:fillClrLst>
-    <dgm:linClrLst meth="repeat">
-      <a:schemeClr val="lt1"/>
-    </dgm:linClrLst>
-    <dgm:effectClrLst/>
-    <dgm:txLinClrLst/>
-    <dgm:txFillClrLst meth="repeat">
-      <a:schemeClr val="lt1"/>
-    </dgm:txFillClrLst>
-    <dgm:txEffectClrLst/>
-  </dgm:styleLbl>
-  <dgm:styleLbl name="bgImgPlace1">
-    <dgm:fillClrLst meth="repeat">
-      <a:schemeClr val="accent1">
-        <a:tint val="50000"/>
-      </a:schemeClr>
-    </dgm:fillClrLst>
-    <dgm:linClrLst meth="repeat">
-      <a:schemeClr val="lt1"/>
-    </dgm:linClrLst>
-    <dgm:effectClrLst/>
-    <dgm:txLinClrLst/>
-    <dgm:txFillClrLst meth="repeat">
-      <a:schemeClr val="lt1"/>
-    </dgm:txFillClrLst>
-    <dgm:txEffectClrLst/>
-  </dgm:styleLbl>
-  <dgm:styleLbl name="sibTrans2D1">
-    <dgm:fillClrLst meth="repeat">
-      <a:schemeClr val="accent1">
-        <a:tint val="60000"/>
-      </a:schemeClr>
-    </dgm:fillClrLst>
-    <dgm:linClrLst meth="repeat">
-      <a:schemeClr val="accent1">
-        <a:tint val="60000"/>
-      </a:schemeClr>
-    </dgm:linClrLst>
-    <dgm:effectClrLst/>
-    <dgm:txLinClrLst/>
-    <dgm:txFillClrLst/>
-    <dgm:txEffectClrLst/>
-  </dgm:styleLbl>
-  <dgm:styleLbl name="fgSibTrans2D1">
-    <dgm:fillClrLst meth="repeat">
-      <a:schemeClr val="accent1">
-        <a:tint val="60000"/>
-      </a:schemeClr>
-    </dgm:fillClrLst>
-    <dgm:linClrLst meth="repeat">
-      <a:schemeClr val="accent1">
-        <a:tint val="60000"/>
-      </a:schemeClr>
-    </dgm:linClrLst>
-    <dgm:effectClrLst/>
-    <dgm:txLinClrLst/>
-    <dgm:txFillClrLst/>
-    <dgm:txEffectClrLst/>
-  </dgm:styleLbl>
-  <dgm:styleLbl name="bgSibTrans2D1">
-    <dgm:fillClrLst meth="repeat">
-      <a:schemeClr val="accent1">
-        <a:tint val="60000"/>
-      </a:schemeClr>
-    </dgm:fillClrLst>
-    <dgm:linClrLst meth="repeat">
-      <a:schemeClr val="accent1">
-        <a:tint val="60000"/>
-      </a:schemeClr>
-    </dgm:linClrLst>
-    <dgm:effectClrLst/>
-    <dgm:txLinClrLst/>
-    <dgm:txFillClrLst/>
-    <dgm:txEffectClrLst/>
-  </dgm:styleLbl>
-  <dgm:styleLbl name="sibTrans1D1">
-    <dgm:fillClrLst meth="repeat">
-      <a:schemeClr val="accent1"/>
-    </dgm:fillClrLst>
-    <dgm:linClrLst meth="repeat">
-      <a:schemeClr val="accent1"/>
-    </dgm:linClrLst>
-    <dgm:effectClrLst/>
-    <dgm:txLinClrLst/>
-    <dgm:txFillClrLst meth="repeat">
-      <a:schemeClr val="tx1"/>
-    </dgm:txFillClrLst>
-    <dgm:txEffectClrLst/>
-  </dgm:styleLbl>
-  <dgm:styleLbl name="callout">
-    <dgm:fillClrLst meth="repeat">
-      <a:schemeClr val="accent1"/>
-    </dgm:fillClrLst>
-    <dgm:linClrLst meth="repeat">
-      <a:schemeClr val="accent1">
-        <a:tint val="50000"/>
-      </a:schemeClr>
-    </dgm:linClrLst>
-    <dgm:effectClrLst/>
-    <dgm:txLinClrLst/>
-    <dgm:txFillClrLst meth="repeat">
-      <a:schemeClr val="tx1"/>
-    </dgm:txFillClrLst>
-    <dgm:txEffectClrLst/>
-  </dgm:styleLbl>
-  <dgm:styleLbl name="asst0">
-    <dgm:fillClrLst meth="repeat">
-      <a:schemeClr val="accent1"/>
-    </dgm:fillClrLst>
-    <dgm:linClrLst meth="repeat">
-      <a:schemeClr val="lt1"/>
-    </dgm:linClrLst>
-    <dgm:effectClrLst/>
-    <dgm:txLinClrLst/>
-    <dgm:txFillClrLst/>
-    <dgm:txEffectClrLst/>
-  </dgm:styleLbl>
-  <dgm:styleLbl name="asst1">
-    <dgm:fillClrLst meth="repeat">
-      <a:schemeClr val="accent1"/>
-    </dgm:fillClrLst>
-    <dgm:linClrLst meth="repeat">
-      <a:schemeClr val="lt1"/>
-    </dgm:linClrLst>
-    <dgm:effectClrLst/>
-    <dgm:txLinClrLst/>
-    <dgm:txFillClrLst/>
-    <dgm:txEffectClrLst/>
-  </dgm:styleLbl>
-  <dgm:styleLbl name="asst2">
-    <dgm:fillClrLst meth="repeat">
-      <a:schemeClr val="accent1"/>
-    </dgm:fillClrLst>
-    <dgm:linClrLst meth="repeat">
-      <a:schemeClr val="lt1"/>
-    </dgm:linClrLst>
-    <dgm:effectClrLst/>
-    <dgm:txLinClrLst/>
-    <dgm:txFillClrLst/>
-    <dgm:txEffectClrLst/>
-  </dgm:styleLbl>
-  <dgm:styleLbl name="asst3">
-    <dgm:fillClrLst meth="repeat">
-      <a:schemeClr val="accent1"/>
-    </dgm:fillClrLst>
-    <dgm:linClrLst meth="repeat">
-      <a:schemeClr val="lt1"/>
-    </dgm:linClrLst>
-    <dgm:effectClrLst/>
-    <dgm:txLinClrLst/>
-    <dgm:txFillClrLst/>
-    <dgm:txEffectClrLst/>
-  </dgm:styleLbl>
-  <dgm:styleLbl name="asst4">
-    <dgm:fillClrLst meth="repeat">
-      <a:schemeClr val="accent1"/>
-    </dgm:fillClrLst>
-    <dgm:linClrLst meth="repeat">
-      <a:schemeClr val="lt1"/>
-    </dgm:linClrLst>
-    <dgm:effectClrLst/>
-    <dgm:txLinClrLst/>
-    <dgm:txFillClrLst/>
-    <dgm:txEffectClrLst/>
-  </dgm:styleLbl>
-  <dgm:styleLbl name="parChTrans2D1">
-    <dgm:fillClrLst meth="repeat">
-      <a:schemeClr val="accent1">
-        <a:tint val="60000"/>
-      </a:schemeClr>
-    </dgm:fillClrLst>
-    <dgm:linClrLst meth="repeat">
-      <a:schemeClr val="accent1">
-        <a:tint val="60000"/>
-      </a:schemeClr>
-    </dgm:linClrLst>
-    <dgm:effectClrLst/>
-    <dgm:txLinClrLst/>
-    <dgm:txFillClrLst meth="repeat">
-      <a:schemeClr val="lt1"/>
-    </dgm:txFillClrLst>
-    <dgm:txEffectClrLst/>
-  </dgm:styleLbl>
-  <dgm:styleLbl name="parChTrans2D2">
-    <dgm:fillClrLst meth="repeat">
-      <a:schemeClr val="accent1"/>
-    </dgm:fillClrLst>
-    <dgm:linClrLst meth="repeat">
-      <a:schemeClr val="accent1"/>
-    </dgm:linClrLst>
-    <dgm:effectClrLst/>
-    <dgm:txLinClrLst/>
-    <dgm:txFillClrLst meth="repeat">
-      <a:schemeClr val="lt1"/>
-    </dgm:txFillClrLst>
-    <dgm:txEffectClrLst/>
-  </dgm:styleLbl>
-  <dgm:styleLbl name="parChTrans2D3">
-    <dgm:fillClrLst meth="repeat">
-      <a:schemeClr val="accent1"/>
-    </dgm:fillClrLst>
-    <dgm:linClrLst meth="repeat">
-      <a:schemeClr val="accent1"/>
-    </dgm:linClrLst>
-    <dgm:effectClrLst/>
-    <dgm:txLinClrLst/>
-    <dgm:txFillClrLst meth="repeat">
-      <a:schemeClr val="lt1"/>
-    </dgm:txFillClrLst>
-    <dgm:txEffectClrLst/>
-  </dgm:styleLbl>
-  <dgm:styleLbl name="parChTrans2D4">
-    <dgm:fillClrLst meth="repeat">
-      <a:schemeClr val="accent1"/>
-    </dgm:fillClrLst>
-    <dgm:linClrLst meth="repeat">
-      <a:schemeClr val="accent1"/>
-    </dgm:linClrLst>
-    <dgm:effectClrLst/>
-    <dgm:txLinClrLst/>
-    <dgm:txFillClrLst meth="repeat">
-      <a:schemeClr val="lt1"/>
-    </dgm:txFillClrLst>
-    <dgm:txEffectClrLst/>
-  </dgm:styleLbl>
-  <dgm:styleLbl name="parChTrans1D1">
-    <dgm:fillClrLst meth="repeat">
-      <a:schemeClr val="accent1"/>
-    </dgm:fillClrLst>
-    <dgm:linClrLst meth="repeat">
-      <a:schemeClr val="accent1">
-        <a:shade val="60000"/>
-      </a:schemeClr>
-    </dgm:linClrLst>
-    <dgm:effectClrLst/>
-    <dgm:txLinClrLst/>
-    <dgm:txFillClrLst meth="repeat">
-      <a:schemeClr val="tx1"/>
-    </dgm:txFillClrLst>
-    <dgm:txEffectClrLst/>
-  </dgm:styleLbl>
-  <dgm:styleLbl name="parChTrans1D2">
-    <dgm:fillClrLst meth="repeat">
-      <a:schemeClr val="accent1"/>
-    </dgm:fillClrLst>
-    <dgm:linClrLst meth="repeat">
-      <a:schemeClr val="accent1">
-        <a:shade val="60000"/>
-      </a:schemeClr>
-    </dgm:linClrLst>
-    <dgm:effectClrLst/>
-    <dgm:txLinClrLst/>
-    <dgm:txFillClrLst meth="repeat">
-      <a:schemeClr val="tx1"/>
-    </dgm:txFillClrLst>
-    <dgm:txEffectClrLst/>
-  </dgm:styleLbl>
-  <dgm:styleLbl name="parChTrans1D3">
-    <dgm:fillClrLst meth="repeat">
-      <a:schemeClr val="accent1"/>
-    </dgm:fillClrLst>
-    <dgm:linClrLst meth="repeat">
-      <a:schemeClr val="accent1">
-        <a:shade val="80000"/>
-      </a:schemeClr>
-    </dgm:linClrLst>
-    <dgm:effectClrLst/>
-    <dgm:txLinClrLst/>
-    <dgm:txFillClrLst meth="repeat">
-      <a:schemeClr val="tx1"/>
-    </dgm:txFillClrLst>
-    <dgm:txEffectClrLst/>
-  </dgm:styleLbl>
-  <dgm:styleLbl name="parChTrans1D4">
-    <dgm:fillClrLst meth="repeat">
-      <a:schemeClr val="accent1"/>
-    </dgm:fillClrLst>
-    <dgm:linClrLst meth="repeat">
-      <a:schemeClr val="accent1">
-        <a:shade val="80000"/>
-      </a:schemeClr>
-    </dgm:linClrLst>
-    <dgm:effectClrLst/>
-    <dgm:txLinClrLst/>
-    <dgm:txFillClrLst meth="repeat">
-      <a:schemeClr val="tx1"/>
-    </dgm:txFillClrLst>
-    <dgm:txEffectClrLst/>
-  </dgm:styleLbl>
-  <dgm:styleLbl name="fgAcc1">
-    <dgm:fillClrLst meth="repeat">
-      <a:schemeClr val="lt1">
-        <a:alpha val="90000"/>
-      </a:schemeClr>
-    </dgm:fillClrLst>
-    <dgm:linClrLst meth="repeat">
-      <a:schemeClr val="accent1"/>
-    </dgm:linClrLst>
-    <dgm:effectClrLst/>
-    <dgm:txLinClrLst/>
-    <dgm:txFillClrLst meth="repeat">
-      <a:schemeClr val="dk1"/>
-    </dgm:txFillClrLst>
-    <dgm:txEffectClrLst/>
-  </dgm:styleLbl>
-  <dgm:styleLbl name="conFgAcc1">
-    <dgm:fillClrLst meth="repeat">
-      <a:schemeClr val="lt1">
-        <a:alpha val="90000"/>
-      </a:schemeClr>
-    </dgm:fillClrLst>
-    <dgm:linClrLst meth="repeat">
-      <a:schemeClr val="accent1"/>
-    </dgm:linClrLst>
-    <dgm:effectClrLst/>
-    <dgm:txLinClrLst/>
-    <dgm:txFillClrLst meth="repeat">
-      <a:schemeClr val="dk1"/>
-    </dgm:txFillClrLst>
-    <dgm:txEffectClrLst/>
-  </dgm:styleLbl>
-  <dgm:styleLbl name="alignAcc1">
-    <dgm:fillClrLst meth="repeat">
-      <a:schemeClr val="lt1">
-        <a:alpha val="90000"/>
-      </a:schemeClr>
-    </dgm:fillClrLst>
-    <dgm:linClrLst meth="repeat">
-      <a:schemeClr val="accent1"/>
-    </dgm:linClrLst>
-    <dgm:effectClrLst/>
-    <dgm:txLinClrLst/>
-    <dgm:txFillClrLst meth="repeat">
-      <a:schemeClr val="dk1"/>
-    </dgm:txFillClrLst>
-    <dgm:txEffectClrLst/>
-  </dgm:styleLbl>
-  <dgm:styleLbl name="trAlignAcc1">
-    <dgm:fillClrLst meth="repeat">
-      <a:schemeClr val="lt1">
-        <a:alpha val="40000"/>
-      </a:schemeClr>
-    </dgm:fillClrLst>
-    <dgm:linClrLst meth="repeat">
-      <a:schemeClr val="accent1"/>
-    </dgm:linClrLst>
-    <dgm:effectClrLst/>
-    <dgm:txLinClrLst/>
-    <dgm:txFillClrLst meth="repeat">
-      <a:schemeClr val="dk1"/>
-    </dgm:txFillClrLst>
-    <dgm:txEffectClrLst/>
-  </dgm:styleLbl>
-  <dgm:styleLbl name="bgAcc1">
-    <dgm:fillClrLst meth="repeat">
-      <a:schemeClr val="lt1">
-        <a:alpha val="90000"/>
-      </a:schemeClr>
-    </dgm:fillClrLst>
-    <dgm:linClrLst meth="repeat">
-      <a:schemeClr val="accent1"/>
-    </dgm:linClrLst>
-    <dgm:effectClrLst/>
-    <dgm:txLinClrLst/>
-    <dgm:txFillClrLst meth="repeat">
-      <a:schemeClr val="dk1"/>
-    </dgm:txFillClrLst>
-    <dgm:txEffectClrLst/>
-  </dgm:styleLbl>
-  <dgm:styleLbl name="solidFgAcc1">
-    <dgm:fillClrLst meth="repeat">
-      <a:schemeClr val="lt1"/>
-    </dgm:fillClrLst>
-    <dgm:linClrLst meth="repeat">
-      <a:schemeClr val="accent1"/>
-    </dgm:linClrLst>
-    <dgm:effectClrLst/>
-    <dgm:txLinClrLst/>
-    <dgm:txFillClrLst meth="repeat">
-      <a:schemeClr val="dk1"/>
-    </dgm:txFillClrLst>
-    <dgm:txEffectClrLst/>
-  </dgm:styleLbl>
-  <dgm:styleLbl name="solidAlignAcc1">
-    <dgm:fillClrLst meth="repeat">
-      <a:schemeClr val="lt1"/>
-    </dgm:fillClrLst>
-    <dgm:linClrLst meth="repeat">
-      <a:schemeClr val="accent1"/>
-    </dgm:linClrLst>
-    <dgm:effectClrLst/>
-    <dgm:txLinClrLst/>
-    <dgm:txFillClrLst meth="repeat">
-      <a:schemeClr val="dk1"/>
-    </dgm:txFillClrLst>
-    <dgm:txEffectClrLst/>
-  </dgm:styleLbl>
-  <dgm:styleLbl name="solidBgAcc1">
-    <dgm:fillClrLst meth="repeat">
-      <a:schemeClr val="lt1"/>
-    </dgm:fillClrLst>
-    <dgm:linClrLst meth="repeat">
-      <a:schemeClr val="accent1"/>
-    </dgm:linClrLst>
-    <dgm:effectClrLst/>
-    <dgm:txLinClrLst/>
-    <dgm:txFillClrLst meth="repeat">
-      <a:schemeClr val="dk1"/>
-    </dgm:txFillClrLst>
-    <dgm:txEffectClrLst/>
-  </dgm:styleLbl>
-  <dgm:styleLbl name="fgAccFollowNode1">
-    <dgm:fillClrLst meth="repeat">
-      <a:schemeClr val="accent1">
-        <a:alpha val="90000"/>
-        <a:tint val="40000"/>
-      </a:schemeClr>
-    </dgm:fillClrLst>
-    <dgm:linClrLst meth="repeat">
-      <a:schemeClr val="accent1">
-        <a:alpha val="90000"/>
-        <a:tint val="40000"/>
-      </a:schemeClr>
-    </dgm:linClrLst>
-    <dgm:effectClrLst/>
-    <dgm:txLinClrLst/>
-    <dgm:txFillClrLst meth="repeat">
-      <a:schemeClr val="dk1"/>
-    </dgm:txFillClrLst>
-    <dgm:txEffectClrLst/>
-  </dgm:styleLbl>
-  <dgm:styleLbl name="alignAccFollowNode1">
-    <dgm:fillClrLst meth="repeat">
-      <a:schemeClr val="accent1">
-        <a:alpha val="90000"/>
-        <a:tint val="40000"/>
-      </a:schemeClr>
-    </dgm:fillClrLst>
-    <dgm:linClrLst meth="repeat">
-      <a:schemeClr val="accent1">
-        <a:alpha val="90000"/>
-        <a:tint val="40000"/>
-      </a:schemeClr>
-    </dgm:linClrLst>
-    <dgm:effectClrLst/>
-    <dgm:txLinClrLst/>
-    <dgm:txFillClrLst meth="repeat">
-      <a:schemeClr val="dk1"/>
-    </dgm:txFillClrLst>
-    <dgm:txEffectClrLst/>
-  </dgm:styleLbl>
-  <dgm:styleLbl name="bgAccFollowNode1">
-    <dgm:fillClrLst meth="repeat">
-      <a:schemeClr val="accent1">
-        <a:alpha val="90000"/>
-        <a:tint val="40000"/>
-      </a:schemeClr>
-    </dgm:fillClrLst>
-    <dgm:linClrLst meth="repeat">
-      <a:schemeClr val="accent1">
-        <a:alpha val="90000"/>
-        <a:tint val="40000"/>
-      </a:schemeClr>
-    </dgm:linClrLst>
-    <dgm:effectClrLst/>
-    <dgm:txLinClrLst/>
-    <dgm:txFillClrLst meth="repeat">
-      <a:schemeClr val="dk1"/>
-    </dgm:txFillClrLst>
-    <dgm:txEffectClrLst/>
-  </dgm:styleLbl>
-  <dgm:styleLbl name="fgAcc0">
-    <dgm:fillClrLst meth="repeat">
-      <a:schemeClr val="lt1">
-        <a:alpha val="90000"/>
-      </a:schemeClr>
-    </dgm:fillClrLst>
-    <dgm:linClrLst meth="repeat">
-      <a:schemeClr val="accent1"/>
-    </dgm:linClrLst>
-    <dgm:effectClrLst/>
-    <dgm:txLinClrLst/>
-    <dgm:txFillClrLst meth="repeat">
-      <a:schemeClr val="dk1"/>
-    </dgm:txFillClrLst>
-    <dgm:txEffectClrLst/>
-  </dgm:styleLbl>
-  <dgm:styleLbl name="fgAcc2">
-    <dgm:fillClrLst meth="repeat">
-      <a:schemeClr val="lt1">
-        <a:alpha val="90000"/>
-      </a:schemeClr>
-    </dgm:fillClrLst>
-    <dgm:linClrLst meth="repeat">
-      <a:schemeClr val="accent1"/>
-    </dgm:linClrLst>
-    <dgm:effectClrLst/>
-    <dgm:txLinClrLst/>
-    <dgm:txFillClrLst meth="repeat">
-      <a:schemeClr val="dk1"/>
-    </dgm:txFillClrLst>
-    <dgm:txEffectClrLst/>
-  </dgm:styleLbl>
-  <dgm:styleLbl name="fgAcc3">
-    <dgm:fillClrLst meth="repeat">
-      <a:schemeClr val="lt1">
-        <a:alpha val="90000"/>
-      </a:schemeClr>
-    </dgm:fillClrLst>
-    <dgm:linClrLst meth="repeat">
-      <a:schemeClr val="accent1"/>
-    </dgm:linClrLst>
-    <dgm:effectClrLst/>
-    <dgm:txLinClrLst/>
-    <dgm:txFillClrLst meth="repeat">
-      <a:schemeClr val="dk1"/>
-    </dgm:txFillClrLst>
-    <dgm:txEffectClrLst/>
-  </dgm:styleLbl>
-  <dgm:styleLbl name="fgAcc4">
-    <dgm:fillClrLst meth="repeat">
-      <a:schemeClr val="lt1">
-        <a:alpha val="90000"/>
-      </a:schemeClr>
-    </dgm:fillClrLst>
-    <dgm:linClrLst meth="repeat">
-      <a:schemeClr val="accent1"/>
-    </dgm:linClrLst>
-    <dgm:effectClrLst/>
-    <dgm:txLinClrLst/>
-    <dgm:txFillClrLst meth="repeat">
-      <a:schemeClr val="dk1"/>
-    </dgm:txFillClrLst>
-    <dgm:txEffectClrLst/>
-  </dgm:styleLbl>
-  <dgm:styleLbl name="bgShp">
-    <dgm:fillClrLst meth="repeat">
-      <a:schemeClr val="accent1">
-        <a:tint val="40000"/>
-      </a:schemeClr>
-    </dgm:fillClrLst>
-    <dgm:linClrLst meth="repeat">
-      <a:schemeClr val="accent1"/>
-    </dgm:linClrLst>
-    <dgm:effectClrLst/>
-    <dgm:txLinClrLst/>
-    <dgm:txFillClrLst meth="repeat">
-      <a:schemeClr val="dk1"/>
-    </dgm:txFillClrLst>
-    <dgm:txEffectClrLst/>
-  </dgm:styleLbl>
-  <dgm:styleLbl name="dkBgShp">
-    <dgm:fillClrLst meth="repeat">
-      <a:schemeClr val="accent1">
-        <a:shade val="80000"/>
-      </a:schemeClr>
-    </dgm:fillClrLst>
-    <dgm:linClrLst meth="repeat">
-      <a:schemeClr val="accent1"/>
-    </dgm:linClrLst>
-    <dgm:effectClrLst/>
-    <dgm:txLinClrLst/>
-    <dgm:txFillClrLst meth="repeat">
-      <a:schemeClr val="lt1"/>
-    </dgm:txFillClrLst>
-    <dgm:txEffectClrLst/>
-  </dgm:styleLbl>
-  <dgm:styleLbl name="trBgShp">
-    <dgm:fillClrLst meth="repeat">
-      <a:schemeClr val="accent1">
-        <a:tint val="50000"/>
-        <a:alpha val="40000"/>
-      </a:schemeClr>
-    </dgm:fillClrLst>
-    <dgm:linClrLst meth="repeat">
-      <a:schemeClr val="accent1"/>
-    </dgm:linClrLst>
-    <dgm:effectClrLst/>
-    <dgm:txLinClrLst/>
-    <dgm:txFillClrLst meth="repeat">
-      <a:schemeClr val="lt1"/>
-    </dgm:txFillClrLst>
-    <dgm:txEffectClrLst/>
-  </dgm:styleLbl>
-  <dgm:styleLbl name="fgShp">
-    <dgm:fillClrLst meth="repeat">
-      <a:schemeClr val="accent1">
-        <a:tint val="60000"/>
-      </a:schemeClr>
-    </dgm:fillClrLst>
-    <dgm:linClrLst meth="repeat">
-      <a:schemeClr val="lt1"/>
-    </dgm:linClrLst>
-    <dgm:effectClrLst/>
-    <dgm:txLinClrLst/>
-    <dgm:txFillClrLst meth="repeat">
-      <a:schemeClr val="dk1"/>
-    </dgm:txFillClrLst>
-    <dgm:txEffectClrLst/>
-  </dgm:styleLbl>
-  <dgm:styleLbl name="revTx">
-    <dgm:fillClrLst meth="repeat">
-      <a:schemeClr val="lt1">
-        <a:alpha val="0"/>
-      </a:schemeClr>
-    </dgm:fillClrLst>
-    <dgm:linClrLst meth="repeat">
-      <a:schemeClr val="dk1">
-        <a:alpha val="0"/>
-      </a:schemeClr>
-    </dgm:linClrLst>
-    <dgm:effectClrLst/>
-    <dgm:txLinClrLst/>
-    <dgm:txFillClrLst meth="repeat">
-      <a:schemeClr val="tx1"/>
-    </dgm:txFillClrLst>
-    <dgm:txEffectClrLst/>
-  </dgm:styleLbl>
-</dgm:colorsDef>
-</file>
-
-<file path=ppt/diagrams/data1.xml><?xml version="1.0" encoding="utf-8"?>
-<dgm:dataModel xmlns:dgm="http://schemas.openxmlformats.org/drawingml/2006/diagram" xmlns:a="http://schemas.openxmlformats.org/drawingml/2006/main">
-  <dgm:ptLst>
-    <dgm:pt modelId="{0C072433-4AEB-40F1-AB95-059EE9C9ADEC}" type="doc">
-      <dgm:prSet loTypeId="urn:microsoft.com/office/officeart/2018/2/layout/IconCircleList" loCatId="icon" qsTypeId="urn:microsoft.com/office/officeart/2005/8/quickstyle/simple1" qsCatId="simple" csTypeId="urn:microsoft.com/office/officeart/2005/8/colors/accent1_2" csCatId="accent1" phldr="1"/>
-      <dgm:spPr/>
-      <dgm:t>
-        <a:bodyPr/>
-        <a:lstStyle/>
-        <a:p>
-          <a:endParaRPr lang="en-US"/>
-        </a:p>
-      </dgm:t>
-    </dgm:pt>
-    <dgm:pt modelId="{C8AB0C16-655B-4ABC-BE7E-6675A4A3AC91}">
-      <dgm:prSet/>
-      <dgm:spPr/>
-      <dgm:t>
-        <a:bodyPr/>
-        <a:lstStyle/>
-        <a:p>
-          <a:pPr>
-            <a:lnSpc>
-              <a:spcPct val="100000"/>
-            </a:lnSpc>
-          </a:pPr>
-          <a:r>
-            <a:rPr lang="en-US" dirty="0"/>
-            <a:t>Abstract</a:t>
-          </a:r>
-        </a:p>
-      </dgm:t>
-    </dgm:pt>
-    <dgm:pt modelId="{F4F35D6F-F45C-49C0-BA94-7A303C16FB03}" type="parTrans" cxnId="{8288F295-6831-4088-99A2-6D5B866D7F6D}">
-      <dgm:prSet/>
-      <dgm:spPr/>
-      <dgm:t>
-        <a:bodyPr/>
-        <a:lstStyle/>
-        <a:p>
-          <a:endParaRPr lang="en-US"/>
-        </a:p>
-      </dgm:t>
-    </dgm:pt>
-    <dgm:pt modelId="{43F839C8-B670-447B-ACE2-9489F5AFC00E}" type="sibTrans" cxnId="{8288F295-6831-4088-99A2-6D5B866D7F6D}">
-      <dgm:prSet/>
-      <dgm:spPr/>
-      <dgm:t>
-        <a:bodyPr/>
-        <a:lstStyle/>
-        <a:p>
-          <a:pPr>
-            <a:lnSpc>
-              <a:spcPct val="100000"/>
-            </a:lnSpc>
-          </a:pPr>
-          <a:endParaRPr lang="en-US"/>
-        </a:p>
-      </dgm:t>
-    </dgm:pt>
-    <dgm:pt modelId="{494381FD-C47A-4C3B-A2BD-FC28936D7874}">
-      <dgm:prSet/>
-      <dgm:spPr/>
-      <dgm:t>
-        <a:bodyPr/>
-        <a:lstStyle/>
-        <a:p>
-          <a:pPr>
-            <a:lnSpc>
-              <a:spcPct val="100000"/>
-            </a:lnSpc>
-          </a:pPr>
-          <a:r>
-            <a:rPr lang="en-GB" dirty="0"/>
-            <a:t>Rorschach Test</a:t>
-          </a:r>
-          <a:endParaRPr lang="en-US" dirty="0"/>
-        </a:p>
-      </dgm:t>
-    </dgm:pt>
-    <dgm:pt modelId="{317C3880-52AA-4CCE-8BDD-8D5E5BA2467D}" type="parTrans" cxnId="{3811A0A1-6A0F-4A6A-BE2B-6A380078CC2B}">
-      <dgm:prSet/>
-      <dgm:spPr/>
-      <dgm:t>
-        <a:bodyPr/>
-        <a:lstStyle/>
-        <a:p>
-          <a:endParaRPr lang="en-US"/>
-        </a:p>
-      </dgm:t>
-    </dgm:pt>
-    <dgm:pt modelId="{D33CD2A7-9527-4848-823B-EECBC697E2DB}" type="sibTrans" cxnId="{3811A0A1-6A0F-4A6A-BE2B-6A380078CC2B}">
-      <dgm:prSet/>
-      <dgm:spPr/>
-      <dgm:t>
-        <a:bodyPr/>
-        <a:lstStyle/>
-        <a:p>
-          <a:pPr>
-            <a:lnSpc>
-              <a:spcPct val="100000"/>
-            </a:lnSpc>
-          </a:pPr>
-          <a:endParaRPr lang="en-US"/>
-        </a:p>
-      </dgm:t>
-    </dgm:pt>
-    <dgm:pt modelId="{DC95D1DE-A781-4C30-8D2F-118BADFEFD7C}">
-      <dgm:prSet/>
-      <dgm:spPr/>
-      <dgm:t>
-        <a:bodyPr/>
-        <a:lstStyle/>
-        <a:p>
-          <a:pPr>
-            <a:lnSpc>
-              <a:spcPct val="100000"/>
-            </a:lnSpc>
-          </a:pPr>
-          <a:r>
-            <a:rPr lang="en-US" dirty="0"/>
-            <a:t>Technologies</a:t>
-          </a:r>
-        </a:p>
-      </dgm:t>
-    </dgm:pt>
-    <dgm:pt modelId="{96BF6858-10A0-4411-AFEE-8AC502676C10}" type="sibTrans" cxnId="{031FC9FA-6DA3-46FF-BC9D-BE9588A4415E}">
-      <dgm:prSet/>
-      <dgm:spPr/>
-      <dgm:t>
-        <a:bodyPr/>
-        <a:lstStyle/>
-        <a:p>
-          <a:endParaRPr lang="en-US"/>
-        </a:p>
-      </dgm:t>
-    </dgm:pt>
-    <dgm:pt modelId="{0F0B6B78-4E5D-485A-89CA-33928E5ECD4F}" type="parTrans" cxnId="{031FC9FA-6DA3-46FF-BC9D-BE9588A4415E}">
-      <dgm:prSet/>
-      <dgm:spPr/>
-      <dgm:t>
-        <a:bodyPr/>
-        <a:lstStyle/>
-        <a:p>
-          <a:endParaRPr lang="en-US"/>
-        </a:p>
-      </dgm:t>
-    </dgm:pt>
-    <dgm:pt modelId="{C0FF8307-80BF-49B7-8ADA-6D6110548FA4}" type="pres">
-      <dgm:prSet presAssocID="{0C072433-4AEB-40F1-AB95-059EE9C9ADEC}" presName="root" presStyleCnt="0">
-        <dgm:presLayoutVars>
-          <dgm:dir/>
-          <dgm:resizeHandles val="exact"/>
-        </dgm:presLayoutVars>
-      </dgm:prSet>
-      <dgm:spPr/>
-    </dgm:pt>
-    <dgm:pt modelId="{1356FD8E-C173-4B8C-B410-107D3BF7BBC2}" type="pres">
-      <dgm:prSet presAssocID="{0C072433-4AEB-40F1-AB95-059EE9C9ADEC}" presName="container" presStyleCnt="0">
-        <dgm:presLayoutVars>
-          <dgm:dir/>
-          <dgm:resizeHandles val="exact"/>
-        </dgm:presLayoutVars>
-      </dgm:prSet>
-      <dgm:spPr/>
-    </dgm:pt>
-    <dgm:pt modelId="{6BECB24C-51AC-415F-A366-D6397628CFB1}" type="pres">
-      <dgm:prSet presAssocID="{C8AB0C16-655B-4ABC-BE7E-6675A4A3AC91}" presName="compNode" presStyleCnt="0"/>
-      <dgm:spPr/>
-    </dgm:pt>
-    <dgm:pt modelId="{54C14164-7512-478A-B2E9-228B46201643}" type="pres">
-      <dgm:prSet presAssocID="{C8AB0C16-655B-4ABC-BE7E-6675A4A3AC91}" presName="iconBgRect" presStyleLbl="bgShp" presStyleIdx="0" presStyleCnt="3"/>
-      <dgm:spPr/>
-    </dgm:pt>
-    <dgm:pt modelId="{44F51941-68FB-49E2-83E3-D3653313C1AC}" type="pres">
-      <dgm:prSet presAssocID="{C8AB0C16-655B-4ABC-BE7E-6675A4A3AC91}" presName="iconRect" presStyleLbl="node1" presStyleIdx="0" presStyleCnt="3"/>
-      <dgm:spPr>
-        <a:blipFill>
-          <a:blip xmlns:r="http://schemas.openxmlformats.org/officeDocument/2006/relationships" r:embed="rId1">
-            <a:extLst>
-              <a:ext uri="{28A0092B-C50C-407E-A947-70E740481C1C}">
-                <a14:useLocalDpi xmlns:a14="http://schemas.microsoft.com/office/drawing/2010/main" val="0"/>
-              </a:ext>
-              <a:ext uri="{96DAC541-7B7A-43D3-8B79-37D633B846F1}">
-                <asvg:svgBlip xmlns:asvg="http://schemas.microsoft.com/office/drawing/2016/SVG/main" r:embed="rId2"/>
-              </a:ext>
-            </a:extLst>
-          </a:blip>
-          <a:stretch>
-            <a:fillRect/>
-          </a:stretch>
-        </a:blipFill>
-        <a:ln>
-          <a:noFill/>
-        </a:ln>
-      </dgm:spPr>
-      <dgm:extLst>
-        <a:ext uri="{E40237B7-FDA0-4F09-8148-C483321AD2D9}">
-          <dgm14:cNvPr xmlns:dgm14="http://schemas.microsoft.com/office/drawing/2010/diagram" id="0" name="" descr="Head with Gears"/>
-        </a:ext>
-      </dgm:extLst>
-    </dgm:pt>
-    <dgm:pt modelId="{9D23E4FF-E1C5-496D-947B-44586A80EF50}" type="pres">
-      <dgm:prSet presAssocID="{C8AB0C16-655B-4ABC-BE7E-6675A4A3AC91}" presName="spaceRect" presStyleCnt="0"/>
-      <dgm:spPr/>
-    </dgm:pt>
-    <dgm:pt modelId="{9B6D84E9-56C4-480D-8F10-B6E9D22F3615}" type="pres">
-      <dgm:prSet presAssocID="{C8AB0C16-655B-4ABC-BE7E-6675A4A3AC91}" presName="textRect" presStyleLbl="revTx" presStyleIdx="0" presStyleCnt="3">
-        <dgm:presLayoutVars>
-          <dgm:chMax val="1"/>
-          <dgm:chPref val="1"/>
-        </dgm:presLayoutVars>
-      </dgm:prSet>
-      <dgm:spPr/>
-    </dgm:pt>
-    <dgm:pt modelId="{185A7F85-109D-492F-B282-9A07F8801F5D}" type="pres">
-      <dgm:prSet presAssocID="{43F839C8-B670-447B-ACE2-9489F5AFC00E}" presName="sibTrans" presStyleLbl="sibTrans2D1" presStyleIdx="0" presStyleCnt="0"/>
-      <dgm:spPr/>
-    </dgm:pt>
-    <dgm:pt modelId="{203E14BA-98AB-41BF-B653-7156F8761519}" type="pres">
-      <dgm:prSet presAssocID="{494381FD-C47A-4C3B-A2BD-FC28936D7874}" presName="compNode" presStyleCnt="0"/>
-      <dgm:spPr/>
-    </dgm:pt>
-    <dgm:pt modelId="{D818C880-9F14-4D26-A71A-690695B0D7F1}" type="pres">
-      <dgm:prSet presAssocID="{494381FD-C47A-4C3B-A2BD-FC28936D7874}" presName="iconBgRect" presStyleLbl="bgShp" presStyleIdx="1" presStyleCnt="3"/>
-      <dgm:spPr/>
-    </dgm:pt>
-    <dgm:pt modelId="{BBFD45D0-7433-42A1-8E54-96CE1C195B3E}" type="pres">
-      <dgm:prSet presAssocID="{494381FD-C47A-4C3B-A2BD-FC28936D7874}" presName="iconRect" presStyleLbl="node1" presStyleIdx="1" presStyleCnt="3"/>
-      <dgm:spPr>
-        <a:blipFill>
-          <a:blip xmlns:r="http://schemas.openxmlformats.org/officeDocument/2006/relationships" r:embed="rId3">
-            <a:extLst>
-              <a:ext uri="{96DAC541-7B7A-43D3-8B79-37D633B846F1}">
-                <asvg:svgBlip xmlns:asvg="http://schemas.microsoft.com/office/drawing/2016/SVG/main" r:embed="rId4"/>
-              </a:ext>
-            </a:extLst>
-          </a:blip>
-          <a:srcRect/>
-          <a:stretch>
-            <a:fillRect/>
-          </a:stretch>
-        </a:blipFill>
-        <a:ln>
-          <a:noFill/>
-        </a:ln>
-      </dgm:spPr>
-      <dgm:extLst>
-        <a:ext uri="{E40237B7-FDA0-4F09-8148-C483321AD2D9}">
-          <dgm14:cNvPr xmlns:dgm14="http://schemas.microsoft.com/office/drawing/2010/diagram" id="0" name="" descr="Bats with solid fill"/>
-        </a:ext>
-      </dgm:extLst>
-    </dgm:pt>
-    <dgm:pt modelId="{0A46A715-EF1F-41E1-92B9-2C7C1B8F44D4}" type="pres">
-      <dgm:prSet presAssocID="{494381FD-C47A-4C3B-A2BD-FC28936D7874}" presName="spaceRect" presStyleCnt="0"/>
-      <dgm:spPr/>
-    </dgm:pt>
-    <dgm:pt modelId="{95AE7778-5B6B-42FA-A6B8-89A439947BAE}" type="pres">
-      <dgm:prSet presAssocID="{494381FD-C47A-4C3B-A2BD-FC28936D7874}" presName="textRect" presStyleLbl="revTx" presStyleIdx="1" presStyleCnt="3">
-        <dgm:presLayoutVars>
-          <dgm:chMax val="1"/>
-          <dgm:chPref val="1"/>
-        </dgm:presLayoutVars>
-      </dgm:prSet>
-      <dgm:spPr/>
-    </dgm:pt>
-    <dgm:pt modelId="{8188E392-02DC-43CC-A3BD-53A5D4B2FF8F}" type="pres">
-      <dgm:prSet presAssocID="{D33CD2A7-9527-4848-823B-EECBC697E2DB}" presName="sibTrans" presStyleLbl="sibTrans2D1" presStyleIdx="0" presStyleCnt="0"/>
-      <dgm:spPr/>
-    </dgm:pt>
-    <dgm:pt modelId="{85AFA170-3B34-49DD-8A52-293484C5C800}" type="pres">
-      <dgm:prSet presAssocID="{DC95D1DE-A781-4C30-8D2F-118BADFEFD7C}" presName="compNode" presStyleCnt="0"/>
-      <dgm:spPr/>
-    </dgm:pt>
-    <dgm:pt modelId="{09B9CB7C-E119-4CB0-8A8A-229776CF0002}" type="pres">
-      <dgm:prSet presAssocID="{DC95D1DE-A781-4C30-8D2F-118BADFEFD7C}" presName="iconBgRect" presStyleLbl="bgShp" presStyleIdx="2" presStyleCnt="3"/>
-      <dgm:spPr/>
-    </dgm:pt>
-    <dgm:pt modelId="{10BCC168-BFAC-480A-AE9C-75A1EAE87DAA}" type="pres">
-      <dgm:prSet presAssocID="{DC95D1DE-A781-4C30-8D2F-118BADFEFD7C}" presName="iconRect" presStyleLbl="node1" presStyleIdx="2" presStyleCnt="3"/>
-      <dgm:spPr>
-        <a:blipFill>
-          <a:blip xmlns:r="http://schemas.openxmlformats.org/officeDocument/2006/relationships" r:embed="rId5">
-            <a:extLst>
-              <a:ext uri="{28A0092B-C50C-407E-A947-70E740481C1C}">
-                <a14:useLocalDpi xmlns:a14="http://schemas.microsoft.com/office/drawing/2010/main" val="0"/>
-              </a:ext>
-              <a:ext uri="{96DAC541-7B7A-43D3-8B79-37D633B846F1}">
-                <asvg:svgBlip xmlns:asvg="http://schemas.microsoft.com/office/drawing/2016/SVG/main" r:embed="rId6"/>
-              </a:ext>
-            </a:extLst>
-          </a:blip>
-          <a:stretch>
-            <a:fillRect/>
-          </a:stretch>
-        </a:blipFill>
-        <a:ln>
-          <a:noFill/>
-        </a:ln>
-      </dgm:spPr>
-      <dgm:extLst>
-        <a:ext uri="{E40237B7-FDA0-4F09-8148-C483321AD2D9}">
-          <dgm14:cNvPr xmlns:dgm14="http://schemas.microsoft.com/office/drawing/2010/diagram" id="0" name="" descr="Servidor"/>
-        </a:ext>
-      </dgm:extLst>
-    </dgm:pt>
-    <dgm:pt modelId="{19E1CB97-AB7B-4E0B-A2EE-854601DB8519}" type="pres">
-      <dgm:prSet presAssocID="{DC95D1DE-A781-4C30-8D2F-118BADFEFD7C}" presName="spaceRect" presStyleCnt="0"/>
-      <dgm:spPr/>
-    </dgm:pt>
-    <dgm:pt modelId="{69CAB846-D3DE-4BB4-87C2-B20BC06EBA41}" type="pres">
-      <dgm:prSet presAssocID="{DC95D1DE-A781-4C30-8D2F-118BADFEFD7C}" presName="textRect" presStyleLbl="revTx" presStyleIdx="2" presStyleCnt="3">
-        <dgm:presLayoutVars>
-          <dgm:chMax val="1"/>
-          <dgm:chPref val="1"/>
-        </dgm:presLayoutVars>
-      </dgm:prSet>
-      <dgm:spPr/>
-    </dgm:pt>
-  </dgm:ptLst>
-  <dgm:cxnLst>
-    <dgm:cxn modelId="{A95A2F4E-6046-4667-856A-69AE8DC145B4}" type="presOf" srcId="{0C072433-4AEB-40F1-AB95-059EE9C9ADEC}" destId="{C0FF8307-80BF-49B7-8ADA-6D6110548FA4}" srcOrd="0" destOrd="0" presId="urn:microsoft.com/office/officeart/2018/2/layout/IconCircleList"/>
-    <dgm:cxn modelId="{C13C4986-5D8F-4511-867D-6BD782D86045}" type="presOf" srcId="{D33CD2A7-9527-4848-823B-EECBC697E2DB}" destId="{8188E392-02DC-43CC-A3BD-53A5D4B2FF8F}" srcOrd="0" destOrd="0" presId="urn:microsoft.com/office/officeart/2018/2/layout/IconCircleList"/>
-    <dgm:cxn modelId="{8288F295-6831-4088-99A2-6D5B866D7F6D}" srcId="{0C072433-4AEB-40F1-AB95-059EE9C9ADEC}" destId="{C8AB0C16-655B-4ABC-BE7E-6675A4A3AC91}" srcOrd="0" destOrd="0" parTransId="{F4F35D6F-F45C-49C0-BA94-7A303C16FB03}" sibTransId="{43F839C8-B670-447B-ACE2-9489F5AFC00E}"/>
-    <dgm:cxn modelId="{3811A0A1-6A0F-4A6A-BE2B-6A380078CC2B}" srcId="{0C072433-4AEB-40F1-AB95-059EE9C9ADEC}" destId="{494381FD-C47A-4C3B-A2BD-FC28936D7874}" srcOrd="1" destOrd="0" parTransId="{317C3880-52AA-4CCE-8BDD-8D5E5BA2467D}" sibTransId="{D33CD2A7-9527-4848-823B-EECBC697E2DB}"/>
-    <dgm:cxn modelId="{8CDB1ECD-F20B-4E87-9D38-605B7AF5FDA0}" type="presOf" srcId="{494381FD-C47A-4C3B-A2BD-FC28936D7874}" destId="{95AE7778-5B6B-42FA-A6B8-89A439947BAE}" srcOrd="0" destOrd="0" presId="urn:microsoft.com/office/officeart/2018/2/layout/IconCircleList"/>
-    <dgm:cxn modelId="{83867CCE-0427-4A08-B847-8980929D79A2}" type="presOf" srcId="{C8AB0C16-655B-4ABC-BE7E-6675A4A3AC91}" destId="{9B6D84E9-56C4-480D-8F10-B6E9D22F3615}" srcOrd="0" destOrd="0" presId="urn:microsoft.com/office/officeart/2018/2/layout/IconCircleList"/>
-    <dgm:cxn modelId="{9208DDF8-5400-498B-8BBF-E600D215DAE7}" type="presOf" srcId="{DC95D1DE-A781-4C30-8D2F-118BADFEFD7C}" destId="{69CAB846-D3DE-4BB4-87C2-B20BC06EBA41}" srcOrd="0" destOrd="0" presId="urn:microsoft.com/office/officeart/2018/2/layout/IconCircleList"/>
-    <dgm:cxn modelId="{031FC9FA-6DA3-46FF-BC9D-BE9588A4415E}" srcId="{0C072433-4AEB-40F1-AB95-059EE9C9ADEC}" destId="{DC95D1DE-A781-4C30-8D2F-118BADFEFD7C}" srcOrd="2" destOrd="0" parTransId="{0F0B6B78-4E5D-485A-89CA-33928E5ECD4F}" sibTransId="{96BF6858-10A0-4411-AFEE-8AC502676C10}"/>
-    <dgm:cxn modelId="{FC6CDCFD-0A46-4677-86E6-00845E336A42}" type="presOf" srcId="{43F839C8-B670-447B-ACE2-9489F5AFC00E}" destId="{185A7F85-109D-492F-B282-9A07F8801F5D}" srcOrd="0" destOrd="0" presId="urn:microsoft.com/office/officeart/2018/2/layout/IconCircleList"/>
-    <dgm:cxn modelId="{CDC143F2-9620-4058-89FD-5C7876893B56}" type="presParOf" srcId="{C0FF8307-80BF-49B7-8ADA-6D6110548FA4}" destId="{1356FD8E-C173-4B8C-B410-107D3BF7BBC2}" srcOrd="0" destOrd="0" presId="urn:microsoft.com/office/officeart/2018/2/layout/IconCircleList"/>
-    <dgm:cxn modelId="{60ACD822-5D50-490E-90FA-663FA3432A8D}" type="presParOf" srcId="{1356FD8E-C173-4B8C-B410-107D3BF7BBC2}" destId="{6BECB24C-51AC-415F-A366-D6397628CFB1}" srcOrd="0" destOrd="0" presId="urn:microsoft.com/office/officeart/2018/2/layout/IconCircleList"/>
-    <dgm:cxn modelId="{00BABFD0-732C-42C4-B980-FED3D6275016}" type="presParOf" srcId="{6BECB24C-51AC-415F-A366-D6397628CFB1}" destId="{54C14164-7512-478A-B2E9-228B46201643}" srcOrd="0" destOrd="0" presId="urn:microsoft.com/office/officeart/2018/2/layout/IconCircleList"/>
-    <dgm:cxn modelId="{5667FD10-DFB4-4A15-A318-74B259BD1C12}" type="presParOf" srcId="{6BECB24C-51AC-415F-A366-D6397628CFB1}" destId="{44F51941-68FB-49E2-83E3-D3653313C1AC}" srcOrd="1" destOrd="0" presId="urn:microsoft.com/office/officeart/2018/2/layout/IconCircleList"/>
-    <dgm:cxn modelId="{FE19BF07-E592-427F-847A-64B72D38340D}" type="presParOf" srcId="{6BECB24C-51AC-415F-A366-D6397628CFB1}" destId="{9D23E4FF-E1C5-496D-947B-44586A80EF50}" srcOrd="2" destOrd="0" presId="urn:microsoft.com/office/officeart/2018/2/layout/IconCircleList"/>
-    <dgm:cxn modelId="{40A442D1-5736-4EA1-8B3F-1E5ABEC0AF52}" type="presParOf" srcId="{6BECB24C-51AC-415F-A366-D6397628CFB1}" destId="{9B6D84E9-56C4-480D-8F10-B6E9D22F3615}" srcOrd="3" destOrd="0" presId="urn:microsoft.com/office/officeart/2018/2/layout/IconCircleList"/>
-    <dgm:cxn modelId="{ECF331FC-8EBC-4F40-901E-2CEB4FDE2FEF}" type="presParOf" srcId="{1356FD8E-C173-4B8C-B410-107D3BF7BBC2}" destId="{185A7F85-109D-492F-B282-9A07F8801F5D}" srcOrd="1" destOrd="0" presId="urn:microsoft.com/office/officeart/2018/2/layout/IconCircleList"/>
-    <dgm:cxn modelId="{29B2FB24-7CBC-4164-BECC-CFEBFDC1185F}" type="presParOf" srcId="{1356FD8E-C173-4B8C-B410-107D3BF7BBC2}" destId="{203E14BA-98AB-41BF-B653-7156F8761519}" srcOrd="2" destOrd="0" presId="urn:microsoft.com/office/officeart/2018/2/layout/IconCircleList"/>
-    <dgm:cxn modelId="{142EB100-F7E0-4624-B7B9-500393D5ADA3}" type="presParOf" srcId="{203E14BA-98AB-41BF-B653-7156F8761519}" destId="{D818C880-9F14-4D26-A71A-690695B0D7F1}" srcOrd="0" destOrd="0" presId="urn:microsoft.com/office/officeart/2018/2/layout/IconCircleList"/>
-    <dgm:cxn modelId="{E1278B7C-8C9E-4BFA-A8FB-2245DE5F1A4E}" type="presParOf" srcId="{203E14BA-98AB-41BF-B653-7156F8761519}" destId="{BBFD45D0-7433-42A1-8E54-96CE1C195B3E}" srcOrd="1" destOrd="0" presId="urn:microsoft.com/office/officeart/2018/2/layout/IconCircleList"/>
-    <dgm:cxn modelId="{A520133A-FA47-4F1E-B631-C9A9459B3B76}" type="presParOf" srcId="{203E14BA-98AB-41BF-B653-7156F8761519}" destId="{0A46A715-EF1F-41E1-92B9-2C7C1B8F44D4}" srcOrd="2" destOrd="0" presId="urn:microsoft.com/office/officeart/2018/2/layout/IconCircleList"/>
-    <dgm:cxn modelId="{0E0AE11F-7821-4070-9961-8AFF31551DCD}" type="presParOf" srcId="{203E14BA-98AB-41BF-B653-7156F8761519}" destId="{95AE7778-5B6B-42FA-A6B8-89A439947BAE}" srcOrd="3" destOrd="0" presId="urn:microsoft.com/office/officeart/2018/2/layout/IconCircleList"/>
-    <dgm:cxn modelId="{E34B3457-3B53-45A5-A9AD-CD2F5D11DBC8}" type="presParOf" srcId="{1356FD8E-C173-4B8C-B410-107D3BF7BBC2}" destId="{8188E392-02DC-43CC-A3BD-53A5D4B2FF8F}" srcOrd="3" destOrd="0" presId="urn:microsoft.com/office/officeart/2018/2/layout/IconCircleList"/>
-    <dgm:cxn modelId="{76327197-D00C-49ED-8E07-2E590F049F41}" type="presParOf" srcId="{1356FD8E-C173-4B8C-B410-107D3BF7BBC2}" destId="{85AFA170-3B34-49DD-8A52-293484C5C800}" srcOrd="4" destOrd="0" presId="urn:microsoft.com/office/officeart/2018/2/layout/IconCircleList"/>
-    <dgm:cxn modelId="{9F599528-0D2C-4B93-AA62-470C037A2F2B}" type="presParOf" srcId="{85AFA170-3B34-49DD-8A52-293484C5C800}" destId="{09B9CB7C-E119-4CB0-8A8A-229776CF0002}" srcOrd="0" destOrd="0" presId="urn:microsoft.com/office/officeart/2018/2/layout/IconCircleList"/>
-    <dgm:cxn modelId="{31EBFFB7-5EFA-4239-86A5-CFF291820FBF}" type="presParOf" srcId="{85AFA170-3B34-49DD-8A52-293484C5C800}" destId="{10BCC168-BFAC-480A-AE9C-75A1EAE87DAA}" srcOrd="1" destOrd="0" presId="urn:microsoft.com/office/officeart/2018/2/layout/IconCircleList"/>
-    <dgm:cxn modelId="{EFF8DE5B-7D3C-401C-917D-91002D0C51C8}" type="presParOf" srcId="{85AFA170-3B34-49DD-8A52-293484C5C800}" destId="{19E1CB97-AB7B-4E0B-A2EE-854601DB8519}" srcOrd="2" destOrd="0" presId="urn:microsoft.com/office/officeart/2018/2/layout/IconCircleList"/>
-    <dgm:cxn modelId="{A5CB49C0-BD6B-4F59-8E5A-AD3B7D04BF45}" type="presParOf" srcId="{85AFA170-3B34-49DD-8A52-293484C5C800}" destId="{69CAB846-D3DE-4BB4-87C2-B20BC06EBA41}" srcOrd="3" destOrd="0" presId="urn:microsoft.com/office/officeart/2018/2/layout/IconCircleList"/>
-  </dgm:cxnLst>
-  <dgm:bg/>
-  <dgm:whole/>
-  <dgm:extLst>
-    <a:ext uri="http://schemas.microsoft.com/office/drawing/2008/diagram">
-      <dsp:dataModelExt xmlns:dsp="http://schemas.microsoft.com/office/drawing/2008/diagram" relId="rId7" minVer="http://schemas.openxmlformats.org/drawingml/2006/diagram"/>
-    </a:ext>
-  </dgm:extLst>
-</dgm:dataModel>
-</file>
-
-<file path=ppt/diagrams/drawing1.xml><?xml version="1.0" encoding="utf-8"?>
-<dsp:drawing xmlns:dgm="http://schemas.openxmlformats.org/drawingml/2006/diagram" xmlns:dsp="http://schemas.microsoft.com/office/drawing/2008/diagram" xmlns:a="http://schemas.openxmlformats.org/drawingml/2006/main">
-  <dsp:spTree>
-    <dsp:nvGrpSpPr>
-      <dsp:cNvPr id="0" name=""/>
-      <dsp:cNvGrpSpPr/>
-    </dsp:nvGrpSpPr>
-    <dsp:grpSpPr/>
-    <dsp:sp modelId="{54C14164-7512-478A-B2E9-228B46201643}">
-      <dsp:nvSpPr>
-        <dsp:cNvPr id="0" name=""/>
-        <dsp:cNvSpPr/>
-      </dsp:nvSpPr>
-      <dsp:spPr>
-        <a:xfrm>
-          <a:off x="963403" y="1243525"/>
-          <a:ext cx="645417" cy="645417"/>
-        </a:xfrm>
-        <a:prstGeom prst="ellipse">
-          <a:avLst/>
-        </a:prstGeom>
-        <a:solidFill>
-          <a:schemeClr val="accent1">
-            <a:tint val="40000"/>
-            <a:hueOff val="0"/>
-            <a:satOff val="0"/>
-            <a:lumOff val="0"/>
-            <a:alphaOff val="0"/>
-          </a:schemeClr>
-        </a:solidFill>
-        <a:ln>
-          <a:noFill/>
-        </a:ln>
-        <a:effectLst/>
-      </dsp:spPr>
-      <dsp:style>
-        <a:lnRef idx="0">
-          <a:scrgbClr r="0" g="0" b="0"/>
-        </a:lnRef>
-        <a:fillRef idx="1">
-          <a:scrgbClr r="0" g="0" b="0"/>
-        </a:fillRef>
-        <a:effectRef idx="0">
-          <a:scrgbClr r="0" g="0" b="0"/>
-        </a:effectRef>
-        <a:fontRef idx="minor"/>
-      </dsp:style>
-    </dsp:sp>
-    <dsp:sp modelId="{44F51941-68FB-49E2-83E3-D3653313C1AC}">
-      <dsp:nvSpPr>
-        <dsp:cNvPr id="0" name=""/>
-        <dsp:cNvSpPr/>
-      </dsp:nvSpPr>
-      <dsp:spPr>
-        <a:xfrm>
-          <a:off x="1098941" y="1379063"/>
-          <a:ext cx="374342" cy="374342"/>
-        </a:xfrm>
-        <a:prstGeom prst="rect">
-          <a:avLst/>
-        </a:prstGeom>
-        <a:blipFill>
-          <a:blip xmlns:r="http://schemas.openxmlformats.org/officeDocument/2006/relationships" r:embed="rId1">
-            <a:extLst>
-              <a:ext uri="{28A0092B-C50C-407E-A947-70E740481C1C}">
-                <a14:useLocalDpi xmlns:a14="http://schemas.microsoft.com/office/drawing/2010/main" val="0"/>
-              </a:ext>
-              <a:ext uri="{96DAC541-7B7A-43D3-8B79-37D633B846F1}">
-                <asvg:svgBlip xmlns:asvg="http://schemas.microsoft.com/office/drawing/2016/SVG/main" r:embed="rId2"/>
-              </a:ext>
-            </a:extLst>
-          </a:blip>
-          <a:stretch>
-            <a:fillRect/>
-          </a:stretch>
-        </a:blipFill>
-        <a:ln w="15875" cap="rnd" cmpd="sng" algn="ctr">
-          <a:noFill/>
-          <a:prstDash val="solid"/>
-        </a:ln>
-        <a:effectLst/>
-      </dsp:spPr>
-      <dsp:style>
-        <a:lnRef idx="2">
-          <a:scrgbClr r="0" g="0" b="0"/>
-        </a:lnRef>
-        <a:fillRef idx="1">
-          <a:scrgbClr r="0" g="0" b="0"/>
-        </a:fillRef>
-        <a:effectRef idx="0">
-          <a:scrgbClr r="0" g="0" b="0"/>
-        </a:effectRef>
-        <a:fontRef idx="minor">
-          <a:schemeClr val="lt1"/>
-        </a:fontRef>
-      </dsp:style>
-    </dsp:sp>
-    <dsp:sp modelId="{9B6D84E9-56C4-480D-8F10-B6E9D22F3615}">
-      <dsp:nvSpPr>
-        <dsp:cNvPr id="0" name=""/>
-        <dsp:cNvSpPr/>
-      </dsp:nvSpPr>
-      <dsp:spPr>
-        <a:xfrm>
-          <a:off x="1747125" y="1243525"/>
-          <a:ext cx="1521341" cy="645417"/>
-        </a:xfrm>
-        <a:prstGeom prst="rect">
-          <a:avLst/>
-        </a:prstGeom>
-        <a:noFill/>
-        <a:ln>
-          <a:noFill/>
-        </a:ln>
-        <a:effectLst/>
-      </dsp:spPr>
-      <dsp:style>
-        <a:lnRef idx="0">
-          <a:scrgbClr r="0" g="0" b="0"/>
-        </a:lnRef>
-        <a:fillRef idx="0">
-          <a:scrgbClr r="0" g="0" b="0"/>
-        </a:fillRef>
-        <a:effectRef idx="0">
-          <a:scrgbClr r="0" g="0" b="0"/>
-        </a:effectRef>
-        <a:fontRef idx="minor"/>
-      </dsp:style>
-      <dsp:txBody>
-        <a:bodyPr spcFirstLastPara="0" vert="horz" wrap="square" lIns="0" tIns="0" rIns="0" bIns="0" numCol="1" spcCol="1270" anchor="ctr" anchorCtr="0">
-          <a:noAutofit/>
-        </a:bodyPr>
-        <a:lstStyle/>
-        <a:p>
-          <a:pPr marL="0" lvl="0" indent="0" algn="l" defTabSz="800100">
-            <a:lnSpc>
-              <a:spcPct val="100000"/>
-            </a:lnSpc>
-            <a:spcBef>
-              <a:spcPct val="0"/>
-            </a:spcBef>
-            <a:spcAft>
-              <a:spcPct val="35000"/>
-            </a:spcAft>
-            <a:buNone/>
-          </a:pPr>
-          <a:r>
-            <a:rPr lang="en-US" sz="1800" kern="1200" dirty="0"/>
-            <a:t>Abstract</a:t>
-          </a:r>
-        </a:p>
-      </dsp:txBody>
-      <dsp:txXfrm>
-        <a:off x="1747125" y="1243525"/>
-        <a:ext cx="1521341" cy="645417"/>
-      </dsp:txXfrm>
-    </dsp:sp>
-    <dsp:sp modelId="{D818C880-9F14-4D26-A71A-690695B0D7F1}">
-      <dsp:nvSpPr>
-        <dsp:cNvPr id="0" name=""/>
-        <dsp:cNvSpPr/>
-      </dsp:nvSpPr>
-      <dsp:spPr>
-        <a:xfrm>
-          <a:off x="3533549" y="1243525"/>
-          <a:ext cx="645417" cy="645417"/>
-        </a:xfrm>
-        <a:prstGeom prst="ellipse">
-          <a:avLst/>
-        </a:prstGeom>
-        <a:solidFill>
-          <a:schemeClr val="accent1">
-            <a:tint val="40000"/>
-            <a:hueOff val="0"/>
-            <a:satOff val="0"/>
-            <a:lumOff val="0"/>
-            <a:alphaOff val="0"/>
-          </a:schemeClr>
-        </a:solidFill>
-        <a:ln>
-          <a:noFill/>
-        </a:ln>
-        <a:effectLst/>
-      </dsp:spPr>
-      <dsp:style>
-        <a:lnRef idx="0">
-          <a:scrgbClr r="0" g="0" b="0"/>
-        </a:lnRef>
-        <a:fillRef idx="1">
-          <a:scrgbClr r="0" g="0" b="0"/>
-        </a:fillRef>
-        <a:effectRef idx="0">
-          <a:scrgbClr r="0" g="0" b="0"/>
-        </a:effectRef>
-        <a:fontRef idx="minor"/>
-      </dsp:style>
-    </dsp:sp>
-    <dsp:sp modelId="{BBFD45D0-7433-42A1-8E54-96CE1C195B3E}">
-      <dsp:nvSpPr>
-        <dsp:cNvPr id="0" name=""/>
-        <dsp:cNvSpPr/>
-      </dsp:nvSpPr>
-      <dsp:spPr>
-        <a:xfrm>
-          <a:off x="3669086" y="1379063"/>
-          <a:ext cx="374342" cy="374342"/>
-        </a:xfrm>
-        <a:prstGeom prst="rect">
-          <a:avLst/>
-        </a:prstGeom>
-        <a:blipFill>
-          <a:blip xmlns:r="http://schemas.openxmlformats.org/officeDocument/2006/relationships" r:embed="rId3">
-            <a:extLst>
-              <a:ext uri="{96DAC541-7B7A-43D3-8B79-37D633B846F1}">
-                <asvg:svgBlip xmlns:asvg="http://schemas.microsoft.com/office/drawing/2016/SVG/main" r:embed="rId4"/>
-              </a:ext>
-            </a:extLst>
-          </a:blip>
-          <a:srcRect/>
-          <a:stretch>
-            <a:fillRect/>
-          </a:stretch>
-        </a:blipFill>
-        <a:ln w="15875" cap="rnd" cmpd="sng" algn="ctr">
-          <a:noFill/>
-          <a:prstDash val="solid"/>
-        </a:ln>
-        <a:effectLst/>
-      </dsp:spPr>
-      <dsp:style>
-        <a:lnRef idx="2">
-          <a:scrgbClr r="0" g="0" b="0"/>
-        </a:lnRef>
-        <a:fillRef idx="1">
-          <a:scrgbClr r="0" g="0" b="0"/>
-        </a:fillRef>
-        <a:effectRef idx="0">
-          <a:scrgbClr r="0" g="0" b="0"/>
-        </a:effectRef>
-        <a:fontRef idx="minor">
-          <a:schemeClr val="lt1"/>
-        </a:fontRef>
-      </dsp:style>
-    </dsp:sp>
-    <dsp:sp modelId="{95AE7778-5B6B-42FA-A6B8-89A439947BAE}">
-      <dsp:nvSpPr>
-        <dsp:cNvPr id="0" name=""/>
-        <dsp:cNvSpPr/>
-      </dsp:nvSpPr>
-      <dsp:spPr>
-        <a:xfrm>
-          <a:off x="4317270" y="1243525"/>
-          <a:ext cx="1521341" cy="645417"/>
-        </a:xfrm>
-        <a:prstGeom prst="rect">
-          <a:avLst/>
-        </a:prstGeom>
-        <a:noFill/>
-        <a:ln>
-          <a:noFill/>
-        </a:ln>
-        <a:effectLst/>
-      </dsp:spPr>
-      <dsp:style>
-        <a:lnRef idx="0">
-          <a:scrgbClr r="0" g="0" b="0"/>
-        </a:lnRef>
-        <a:fillRef idx="0">
-          <a:scrgbClr r="0" g="0" b="0"/>
-        </a:fillRef>
-        <a:effectRef idx="0">
-          <a:scrgbClr r="0" g="0" b="0"/>
-        </a:effectRef>
-        <a:fontRef idx="minor"/>
-      </dsp:style>
-      <dsp:txBody>
-        <a:bodyPr spcFirstLastPara="0" vert="horz" wrap="square" lIns="0" tIns="0" rIns="0" bIns="0" numCol="1" spcCol="1270" anchor="ctr" anchorCtr="0">
-          <a:noAutofit/>
-        </a:bodyPr>
-        <a:lstStyle/>
-        <a:p>
-          <a:pPr marL="0" lvl="0" indent="0" algn="l" defTabSz="800100">
-            <a:lnSpc>
-              <a:spcPct val="100000"/>
-            </a:lnSpc>
-            <a:spcBef>
-              <a:spcPct val="0"/>
-            </a:spcBef>
-            <a:spcAft>
-              <a:spcPct val="35000"/>
-            </a:spcAft>
-            <a:buNone/>
-          </a:pPr>
-          <a:r>
-            <a:rPr lang="en-GB" sz="1800" kern="1200" dirty="0"/>
-            <a:t>Rorschach Test</a:t>
-          </a:r>
-          <a:endParaRPr lang="en-US" sz="1800" kern="1200" dirty="0"/>
-        </a:p>
-      </dsp:txBody>
-      <dsp:txXfrm>
-        <a:off x="4317270" y="1243525"/>
-        <a:ext cx="1521341" cy="645417"/>
-      </dsp:txXfrm>
-    </dsp:sp>
-    <dsp:sp modelId="{09B9CB7C-E119-4CB0-8A8A-229776CF0002}">
-      <dsp:nvSpPr>
-        <dsp:cNvPr id="0" name=""/>
-        <dsp:cNvSpPr/>
-      </dsp:nvSpPr>
-      <dsp:spPr>
-        <a:xfrm>
-          <a:off x="963403" y="2164583"/>
-          <a:ext cx="645417" cy="645417"/>
-        </a:xfrm>
-        <a:prstGeom prst="ellipse">
-          <a:avLst/>
-        </a:prstGeom>
-        <a:solidFill>
-          <a:schemeClr val="accent1">
-            <a:tint val="40000"/>
-            <a:hueOff val="0"/>
-            <a:satOff val="0"/>
-            <a:lumOff val="0"/>
-            <a:alphaOff val="0"/>
-          </a:schemeClr>
-        </a:solidFill>
-        <a:ln>
-          <a:noFill/>
-        </a:ln>
-        <a:effectLst/>
-      </dsp:spPr>
-      <dsp:style>
-        <a:lnRef idx="0">
-          <a:scrgbClr r="0" g="0" b="0"/>
-        </a:lnRef>
-        <a:fillRef idx="1">
-          <a:scrgbClr r="0" g="0" b="0"/>
-        </a:fillRef>
-        <a:effectRef idx="0">
-          <a:scrgbClr r="0" g="0" b="0"/>
-        </a:effectRef>
-        <a:fontRef idx="minor"/>
-      </dsp:style>
-    </dsp:sp>
-    <dsp:sp modelId="{10BCC168-BFAC-480A-AE9C-75A1EAE87DAA}">
-      <dsp:nvSpPr>
-        <dsp:cNvPr id="0" name=""/>
-        <dsp:cNvSpPr/>
-      </dsp:nvSpPr>
-      <dsp:spPr>
-        <a:xfrm>
-          <a:off x="1098941" y="2300121"/>
-          <a:ext cx="374342" cy="374342"/>
-        </a:xfrm>
-        <a:prstGeom prst="rect">
-          <a:avLst/>
-        </a:prstGeom>
-        <a:blipFill>
-          <a:blip xmlns:r="http://schemas.openxmlformats.org/officeDocument/2006/relationships" r:embed="rId5">
-            <a:extLst>
-              <a:ext uri="{28A0092B-C50C-407E-A947-70E740481C1C}">
-                <a14:useLocalDpi xmlns:a14="http://schemas.microsoft.com/office/drawing/2010/main" val="0"/>
-              </a:ext>
-              <a:ext uri="{96DAC541-7B7A-43D3-8B79-37D633B846F1}">
-                <asvg:svgBlip xmlns:asvg="http://schemas.microsoft.com/office/drawing/2016/SVG/main" r:embed="rId6"/>
-              </a:ext>
-            </a:extLst>
-          </a:blip>
-          <a:stretch>
-            <a:fillRect/>
-          </a:stretch>
-        </a:blipFill>
-        <a:ln w="15875" cap="rnd" cmpd="sng" algn="ctr">
-          <a:noFill/>
-          <a:prstDash val="solid"/>
-        </a:ln>
-        <a:effectLst/>
-      </dsp:spPr>
-      <dsp:style>
-        <a:lnRef idx="2">
-          <a:scrgbClr r="0" g="0" b="0"/>
-        </a:lnRef>
-        <a:fillRef idx="1">
-          <a:scrgbClr r="0" g="0" b="0"/>
-        </a:fillRef>
-        <a:effectRef idx="0">
-          <a:scrgbClr r="0" g="0" b="0"/>
-        </a:effectRef>
-        <a:fontRef idx="minor">
-          <a:schemeClr val="lt1"/>
-        </a:fontRef>
-      </dsp:style>
-    </dsp:sp>
-    <dsp:sp modelId="{69CAB846-D3DE-4BB4-87C2-B20BC06EBA41}">
-      <dsp:nvSpPr>
-        <dsp:cNvPr id="0" name=""/>
-        <dsp:cNvSpPr/>
-      </dsp:nvSpPr>
-      <dsp:spPr>
-        <a:xfrm>
-          <a:off x="1747125" y="2164583"/>
-          <a:ext cx="1521341" cy="645417"/>
-        </a:xfrm>
-        <a:prstGeom prst="rect">
-          <a:avLst/>
-        </a:prstGeom>
-        <a:noFill/>
-        <a:ln>
-          <a:noFill/>
-        </a:ln>
-        <a:effectLst/>
-      </dsp:spPr>
-      <dsp:style>
-        <a:lnRef idx="0">
-          <a:scrgbClr r="0" g="0" b="0"/>
-        </a:lnRef>
-        <a:fillRef idx="0">
-          <a:scrgbClr r="0" g="0" b="0"/>
-        </a:fillRef>
-        <a:effectRef idx="0">
-          <a:scrgbClr r="0" g="0" b="0"/>
-        </a:effectRef>
-        <a:fontRef idx="minor"/>
-      </dsp:style>
-      <dsp:txBody>
-        <a:bodyPr spcFirstLastPara="0" vert="horz" wrap="square" lIns="0" tIns="0" rIns="0" bIns="0" numCol="1" spcCol="1270" anchor="ctr" anchorCtr="0">
-          <a:noAutofit/>
-        </a:bodyPr>
-        <a:lstStyle/>
-        <a:p>
-          <a:pPr marL="0" lvl="0" indent="0" algn="l" defTabSz="800100">
-            <a:lnSpc>
-              <a:spcPct val="100000"/>
-            </a:lnSpc>
-            <a:spcBef>
-              <a:spcPct val="0"/>
-            </a:spcBef>
-            <a:spcAft>
-              <a:spcPct val="35000"/>
-            </a:spcAft>
-            <a:buNone/>
-          </a:pPr>
-          <a:r>
-            <a:rPr lang="en-US" sz="1800" kern="1200" dirty="0"/>
-            <a:t>Technologies</a:t>
-          </a:r>
-        </a:p>
-      </dsp:txBody>
-      <dsp:txXfrm>
-        <a:off x="1747125" y="2164583"/>
-        <a:ext cx="1521341" cy="645417"/>
-      </dsp:txXfrm>
-    </dsp:sp>
-  </dsp:spTree>
-</dsp:drawing>
-</file>
-
-<file path=ppt/diagrams/layout1.xml><?xml version="1.0" encoding="utf-8"?>
-<dgm:layoutDef xmlns:dgm="http://schemas.openxmlformats.org/drawingml/2006/diagram" xmlns:a="http://schemas.openxmlformats.org/drawingml/2006/main" uniqueId="urn:microsoft.com/office/officeart/2018/2/layout/IconCircleList">
-  <dgm:title val="Icon Circle List"/>
-  <dgm:desc val="Use to show non-sequential or grouped chunks of information accompanied by related visuals. Circular shapes can hold an icon or small picture and corresponding text box shows Level 1 text. Works best for icons or small pictures with medium-length descriptions."/>
-  <dgm:catLst>
-    <dgm:cat type="icon" pri="500"/>
-  </dgm:catLst>
-  <dgm:sampData useDef="1">
-    <dgm:dataModel>
-      <dgm:ptLst/>
-      <dgm:bg/>
-      <dgm:whole/>
-    </dgm:dataModel>
-  </dgm:sampData>
-  <dgm:styleData useDef="1">
-    <dgm:dataModel>
-      <dgm:ptLst/>
-      <dgm:bg/>
-      <dgm:whole/>
-    </dgm:dataModel>
-  </dgm:styleData>
-  <dgm:clrData useDef="1">
-    <dgm:dataModel>
-      <dgm:ptLst/>
-      <dgm:bg/>
-      <dgm:whole/>
-    </dgm:dataModel>
-  </dgm:clrData>
-  <dgm:layoutNode name="root">
-    <dgm:varLst>
-      <dgm:dir/>
-      <dgm:resizeHandles val="exact"/>
-    </dgm:varLst>
-    <dgm:alg type="sp"/>
-    <dgm:shape xmlns:r="http://schemas.openxmlformats.org/officeDocument/2006/relationships" r:blip="">
-      <dgm:adjLst/>
-    </dgm:shape>
-    <dgm:presOf/>
-    <dgm:choose name="Name0">
-      <dgm:if name="Name1" axis="ch" ptType="node" func="cnt" op="lte" val="3">
-        <dgm:constrLst>
-          <dgm:constr type="w" for="ch" forName="container" refType="w"/>
-          <dgm:constr type="h" for="ch" forName="container" refType="h" fact="0.4"/>
-        </dgm:constrLst>
-      </dgm:if>
-      <dgm:else name="Name2">
-        <dgm:constrLst>
-          <dgm:constr type="w" for="ch" forName="container" refType="w"/>
-          <dgm:constr type="h" for="ch" forName="container" refType="h"/>
-        </dgm:constrLst>
-      </dgm:else>
-    </dgm:choose>
-    <dgm:ruleLst>
-      <dgm:rule type="h" for="ch" forName="container" val="INF" fact="NaN" max="NaN"/>
-    </dgm:ruleLst>
-    <dgm:layoutNode name="container">
-      <dgm:varLst>
-        <dgm:dir/>
-        <dgm:resizeHandles val="exact"/>
-      </dgm:varLst>
-      <dgm:choose name="Name3">
-        <dgm:if name="Name4" axis="self" func="var" arg="dir" op="equ" val="norm">
-          <dgm:alg type="snake">
-            <dgm:param type="grDir" val="tL"/>
-            <dgm:param type="flowDir" val="row"/>
-            <dgm:param type="contDir" val="sameDir"/>
-          </dgm:alg>
-        </dgm:if>
-        <dgm:else name="Name5">
-          <dgm:alg type="snake">
-            <dgm:param type="grDir" val="tR"/>
-            <dgm:param type="flowDir" val="row"/>
-            <dgm:param type="contDir" val="sameDir"/>
-          </dgm:alg>
-        </dgm:else>
-      </dgm:choose>
-      <dgm:shape xmlns:r="http://schemas.openxmlformats.org/officeDocument/2006/relationships" r:blip="">
-        <dgm:adjLst/>
-      </dgm:shape>
-      <dgm:presOf/>
-      <dgm:constrLst>
-        <dgm:constr type="w" for="ch" forName="compNode" refType="w"/>
-        <dgm:constr type="h" for="ch" forName="compNode" refType="w" fact="0.28"/>
-        <dgm:constr type="w" for="ch" forName="sibTrans" refType="w" refFor="ch" refForName="compNode" fact="0.115"/>
-        <dgm:constr type="sp" refType="h" op="equ" fact="0.17"/>
-        <dgm:constr type="primFontSz" for="des" ptType="node" op="equ" val="24"/>
-        <dgm:constr type="h" for="des" forName="compNode" op="equ"/>
-        <dgm:constr type="h" for="des" forName="iconBgRect" op="equ"/>
-      </dgm:constrLst>
-      <dgm:ruleLst>
-        <dgm:rule type="w" for="ch" forName="compNode" val="60" fact="NaN" max="NaN"/>
-      </dgm:ruleLst>
-      <dgm:forEach name="Name6" axis="ch" ptType="node">
-        <dgm:layoutNode name="compNode">
-          <dgm:alg type="composite"/>
-          <dgm:shape xmlns:r="http://schemas.openxmlformats.org/officeDocument/2006/relationships" r:blip="">
-            <dgm:adjLst/>
-          </dgm:shape>
-          <dgm:presOf axis="self"/>
-          <dgm:constrLst>
-            <dgm:constr type="w" for="ch" forName="iconBgRect" refType="w" fact="0.28"/>
-            <dgm:constr type="h" for="ch" forName="iconBgRect" refType="w" refFor="ch" refForName="iconBgRect"/>
-            <dgm:constr type="t" for="ch" forName="iconBgRect"/>
-            <dgm:constr type="l" for="ch" forName="iconBgRect"/>
-            <dgm:constr type="w" for="ch" forName="iconRect" refType="w" refFor="ch" refForName="iconBgRect" fact="0.58"/>
-            <dgm:constr type="h" for="ch" forName="iconRect" refType="w" refFor="ch" refForName="iconRect"/>
-            <dgm:constr type="ctrX" for="ch" forName="iconRect" refType="ctrX" refFor="ch" refForName="iconBgRect"/>
-            <dgm:constr type="ctrY" for="ch" forName="iconRect" refType="ctrY" refFor="ch" refForName="iconBgRect"/>
-            <dgm:constr type="w" for="ch" forName="spaceRect" refType="w" fact="0.06"/>
-            <dgm:constr type="h" for="ch" forName="spaceRect" refType="h" refFor="ch" refForName="iconBgRect"/>
-            <dgm:constr type="t" for="ch" forName="spaceRect" refType="t" refFor="ch" refForName="iconBgRect"/>
-            <dgm:constr type="l" for="ch" forName="spaceRect" refType="r" refFor="ch" refForName="iconBgRect"/>
-            <dgm:constr type="h" for="ch" forName="textRect" refType="h" refFor="ch" refForName="iconBgRect"/>
-            <dgm:constr type="t" for="ch" forName="textRect" refType="t" refFor="ch" refForName="iconBgRect"/>
-            <dgm:constr type="l" for="ch" forName="textRect" refType="r" refFor="ch" refForName="spaceRect"/>
-          </dgm:constrLst>
-          <dgm:ruleLst/>
-          <dgm:layoutNode name="iconBgRect" styleLbl="bgShp">
-            <dgm:alg type="sp"/>
-            <dgm:shape xmlns:r="http://schemas.openxmlformats.org/officeDocument/2006/relationships" type="ellipse" r:blip="">
-              <dgm:adjLst/>
-            </dgm:shape>
-            <dgm:presOf/>
-            <dgm:constrLst/>
-            <dgm:ruleLst/>
-          </dgm:layoutNode>
-          <dgm:layoutNode name="iconRect" styleLbl="node1">
-            <dgm:alg type="sp"/>
-            <dgm:shape xmlns:r="http://schemas.openxmlformats.org/officeDocument/2006/relationships" type="rect" r:blip="" blipPhldr="1">
-              <dgm:adjLst/>
-            </dgm:shape>
-            <dgm:presOf/>
-            <dgm:constrLst/>
-            <dgm:ruleLst/>
-          </dgm:layoutNode>
-          <dgm:layoutNode name="spaceRect">
-            <dgm:alg type="sp"/>
-            <dgm:shape xmlns:r="http://schemas.openxmlformats.org/officeDocument/2006/relationships" r:blip="">
-              <dgm:adjLst/>
-            </dgm:shape>
-            <dgm:presOf/>
-            <dgm:constrLst/>
-            <dgm:ruleLst/>
-          </dgm:layoutNode>
-          <dgm:layoutNode name="textRect" styleLbl="revTx">
-            <dgm:varLst>
-              <dgm:chMax val="1"/>
-              <dgm:chPref val="1"/>
-            </dgm:varLst>
-            <dgm:choose name="Name7">
-              <dgm:if name="Name8" func="var" arg="dir" op="equ" val="norm">
-                <dgm:alg type="tx">
-                  <dgm:param type="txAnchorVert" val="mid"/>
-                  <dgm:param type="parTxLTRAlign" val="l"/>
-                  <dgm:param type="shpTxLTRAlignCh" val="l"/>
-                  <dgm:param type="parTxRTLAlign" val="l"/>
-                  <dgm:param type="shpTxRTLAlignCh" val="l"/>
-                </dgm:alg>
-              </dgm:if>
-              <dgm:else name="Name9">
-                <dgm:alg type="tx">
-                  <dgm:param type="txAnchorVert" val="mid"/>
-                  <dgm:param type="parTxLTRAlign" val="r"/>
-                  <dgm:param type="shpTxLTRAlignCh" val="r"/>
-                  <dgm:param type="parTxRTLAlign" val="r"/>
-                  <dgm:param type="shpTxRTLAlignCh" val="r"/>
-                </dgm:alg>
-              </dgm:else>
-            </dgm:choose>
-            <dgm:shape xmlns:r="http://schemas.openxmlformats.org/officeDocument/2006/relationships" type="rect" r:blip="">
-              <dgm:adjLst/>
-            </dgm:shape>
-            <dgm:presOf axis="self" ptType="node"/>
-            <dgm:constrLst>
-              <dgm:constr type="lMarg"/>
-              <dgm:constr type="rMarg"/>
-              <dgm:constr type="tMarg"/>
-              <dgm:constr type="bMarg"/>
-            </dgm:constrLst>
-            <dgm:ruleLst>
-              <dgm:rule type="primFontSz" val="11" fact="NaN" max="NaN"/>
-            </dgm:ruleLst>
-          </dgm:layoutNode>
-        </dgm:layoutNode>
-        <dgm:forEach name="Name10" axis="followSib" ptType="sibTrans" cnt="1">
-          <dgm:layoutNode name="sibTrans">
-            <dgm:alg type="sp"/>
-            <dgm:shape xmlns:r="http://schemas.openxmlformats.org/officeDocument/2006/relationships" type="rect" r:blip="" hideGeom="1">
-              <dgm:adjLst/>
-            </dgm:shape>
-            <dgm:presOf axis="self"/>
-            <dgm:constrLst/>
-            <dgm:ruleLst/>
-          </dgm:layoutNode>
-        </dgm:forEach>
-      </dgm:forEach>
-    </dgm:layoutNode>
-  </dgm:layoutNode>
-  <dgm:extLst>
-    <a:ext uri="{68A01E43-0DF5-4B5B-8FA6-DAF915123BFB}">
-      <dgm1612:lstStyle xmlns:dgm1612="http://schemas.microsoft.com/office/drawing/2016/12/diagram">
-        <a:lvl1pPr>
-          <a:lnSpc>
-            <a:spcPct val="100000"/>
-          </a:lnSpc>
-        </a:lvl1pPr>
-      </dgm1612:lstStyle>
-    </a:ext>
-  </dgm:extLst>
-</dgm:layoutDef>
-</file>
-
-<file path=ppt/diagrams/quickStyle1.xml><?xml version="1.0" encoding="utf-8"?>
-<dgm:styleDef xmlns:dgm="http://schemas.openxmlformats.org/drawingml/2006/diagram" xmlns:a="http://schemas.openxmlformats.org/drawingml/2006/main" uniqueId="urn:microsoft.com/office/officeart/2005/8/quickstyle/simple1">
-  <dgm:title val=""/>
-  <dgm:desc val=""/>
-  <dgm:catLst>
-    <dgm:cat type="simple" pri="10100"/>
-  </dgm:catLst>
-  <dgm:scene3d>
-    <a:camera prst="orthographicFront"/>
-    <a:lightRig rig="threePt" dir="t"/>
-  </dgm:scene3d>
-  <dgm:styleLbl name="node0">
-    <dgm:scene3d>
-      <a:camera prst="orthographicFront"/>
-      <a:lightRig rig="threePt" dir="t"/>
-    </dgm:scene3d>
-    <dgm:sp3d/>
-    <dgm:txPr/>
-    <dgm:style>
-      <a:lnRef idx="2">
-        <a:scrgbClr r="0" g="0" b="0"/>
-      </a:lnRef>
-      <a:fillRef idx="1">
-        <a:scrgbClr r="0" g="0" b="0"/>
-      </a:fillRef>
-      <a:effectRef idx="0">
-        <a:scrgbClr r="0" g="0" b="0"/>
-      </a:effectRef>
-      <a:fontRef idx="minor">
-        <a:schemeClr val="lt1"/>
-      </a:fontRef>
-    </dgm:style>
-  </dgm:styleLbl>
-  <dgm:styleLbl name="lnNode1">
-    <dgm:scene3d>
-      <a:camera prst="orthographicFront"/>
-      <a:lightRig rig="threePt" dir="t"/>
-    </dgm:scene3d>
-    <dgm:sp3d/>
-    <dgm:txPr/>
-    <dgm:style>
-      <a:lnRef idx="2">
-        <a:scrgbClr r="0" g="0" b="0"/>
-      </a:lnRef>
-      <a:fillRef idx="1">
-        <a:scrgbClr r="0" g="0" b="0"/>
-      </a:fillRef>
-      <a:effectRef idx="0">
-        <a:scrgbClr r="0" g="0" b="0"/>
-      </a:effectRef>
-      <a:fontRef idx="minor">
-        <a:schemeClr val="lt1"/>
-      </a:fontRef>
-    </dgm:style>
-  </dgm:styleLbl>
-  <dgm:styleLbl name="vennNode1">
-    <dgm:scene3d>
-      <a:camera prst="orthographicFront"/>
-      <a:lightRig rig="threePt" dir="t"/>
-    </dgm:scene3d>
-    <dgm:sp3d/>
-    <dgm:txPr/>
-    <dgm:style>
-      <a:lnRef idx="2">
-        <a:scrgbClr r="0" g="0" b="0"/>
-      </a:lnRef>
-      <a:fillRef idx="1">
-        <a:scrgbClr r="0" g="0" b="0"/>
-      </a:fillRef>
-      <a:effectRef idx="0">
-        <a:scrgbClr r="0" g="0" b="0"/>
-      </a:effectRef>
-      <a:fontRef idx="minor">
-        <a:schemeClr val="tx1"/>
-      </a:fontRef>
-    </dgm:style>
-  </dgm:styleLbl>
-  <dgm:styleLbl name="alignNode1">
-    <dgm:scene3d>
-      <a:camera prst="orthographicFront"/>
-      <a:lightRig rig="threePt" dir="t"/>
-    </dgm:scene3d>
-    <dgm:sp3d/>
-    <dgm:txPr/>
-    <dgm:style>
-      <a:lnRef idx="2">
-        <a:scrgbClr r="0" g="0" b="0"/>
-      </a:lnRef>
-      <a:fillRef idx="1">
-        <a:scrgbClr r="0" g="0" b="0"/>
-      </a:fillRef>
-      <a:effectRef idx="0">
-        <a:scrgbClr r="0" g="0" b="0"/>
-      </a:effectRef>
-      <a:fontRef idx="minor">
-        <a:schemeClr val="lt1"/>
-      </a:fontRef>
-    </dgm:style>
-  </dgm:styleLbl>
-  <dgm:styleLbl name="node1">
-    <dgm:scene3d>
-      <a:camera prst="orthographicFront"/>
-      <a:lightRig rig="threePt" dir="t"/>
-    </dgm:scene3d>
-    <dgm:sp3d/>
-    <dgm:txPr/>
-    <dgm:style>
-      <a:lnRef idx="2">
-        <a:scrgbClr r="0" g="0" b="0"/>
-      </a:lnRef>
-      <a:fillRef idx="1">
-        <a:scrgbClr r="0" g="0" b="0"/>
-      </a:fillRef>
-      <a:effectRef idx="0">
-        <a:scrgbClr r="0" g="0" b="0"/>
-      </a:effectRef>
-      <a:fontRef idx="minor">
-        <a:schemeClr val="lt1"/>
-      </a:fontRef>
-    </dgm:style>
-  </dgm:styleLbl>
-  <dgm:styleLbl name="node2">
-    <dgm:scene3d>
-      <a:camera prst="orthographicFront"/>
-      <a:lightRig rig="threePt" dir="t"/>
-    </dgm:scene3d>
-    <dgm:sp3d/>
-    <dgm:txPr/>
-    <dgm:style>
-      <a:lnRef idx="2">
-        <a:scrgbClr r="0" g="0" b="0"/>
-      </a:lnRef>
-      <a:fillRef idx="1">
-        <a:scrgbClr r="0" g="0" b="0"/>
-      </a:fillRef>
-      <a:effectRef idx="0">
-        <a:scrgbClr r="0" g="0" b="0"/>
-      </a:effectRef>
-      <a:fontRef idx="minor">
-        <a:schemeClr val="lt1"/>
-      </a:fontRef>
-    </dgm:style>
-  </dgm:styleLbl>
-  <dgm:styleLbl name="node3">
-    <dgm:scene3d>
-      <a:camera prst="orthographicFront"/>
-      <a:lightRig rig="threePt" dir="t"/>
-    </dgm:scene3d>
-    <dgm:sp3d/>
-    <dgm:txPr/>
-    <dgm:style>
-      <a:lnRef idx="2">
-        <a:scrgbClr r="0" g="0" b="0"/>
-      </a:lnRef>
-      <a:fillRef idx="1">
-        <a:scrgbClr r="0" g="0" b="0"/>
-      </a:fillRef>
-      <a:effectRef idx="0">
-        <a:scrgbClr r="0" g="0" b="0"/>
-      </a:effectRef>
-      <a:fontRef idx="minor">
-        <a:schemeClr val="lt1"/>
-      </a:fontRef>
-    </dgm:style>
-  </dgm:styleLbl>
-  <dgm:styleLbl name="node4">
-    <dgm:scene3d>
-      <a:camera prst="orthographicFront"/>
-      <a:lightRig rig="threePt" dir="t"/>
-    </dgm:scene3d>
-    <dgm:sp3d/>
-    <dgm:txPr/>
-    <dgm:style>
-      <a:lnRef idx="2">
-        <a:scrgbClr r="0" g="0" b="0"/>
-      </a:lnRef>
-      <a:fillRef idx="1">
-        <a:scrgbClr r="0" g="0" b="0"/>
-      </a:fillRef>
-      <a:effectRef idx="0">
-        <a:scrgbClr r="0" g="0" b="0"/>
-      </a:effectRef>
-      <a:fontRef idx="minor">
-        <a:schemeClr val="lt1"/>
-      </a:fontRef>
-    </dgm:style>
-  </dgm:styleLbl>
-  <dgm:styleLbl name="fgImgPlace1">
-    <dgm:scene3d>
-      <a:camera prst="orthographicFront"/>
-      <a:lightRig rig="threePt" dir="t"/>
-    </dgm:scene3d>
-    <dgm:sp3d/>
-    <dgm:txPr/>
-    <dgm:style>
-      <a:lnRef idx="2">
-        <a:scrgbClr r="0" g="0" b="0"/>
-      </a:lnRef>
-      <a:fillRef idx="1">
-        <a:scrgbClr r="0" g="0" b="0"/>
-      </a:fillRef>
-      <a:effectRef idx="0">
-        <a:scrgbClr r="0" g="0" b="0"/>
-      </a:effectRef>
-      <a:fontRef idx="minor"/>
-    </dgm:style>
-  </dgm:styleLbl>
-  <dgm:styleLbl name="alignImgPlace1">
-    <dgm:scene3d>
-      <a:camera prst="orthographicFront"/>
-      <a:lightRig rig="threePt" dir="t"/>
-    </dgm:scene3d>
-    <dgm:sp3d/>
-    <dgm:txPr/>
-    <dgm:style>
-      <a:lnRef idx="2">
-        <a:scrgbClr r="0" g="0" b="0"/>
-      </a:lnRef>
-      <a:fillRef idx="1">
-        <a:scrgbClr r="0" g="0" b="0"/>
-      </a:fillRef>
-      <a:effectRef idx="0">
-        <a:scrgbClr r="0" g="0" b="0"/>
-      </a:effectRef>
-      <a:fontRef idx="minor"/>
-    </dgm:style>
-  </dgm:styleLbl>
-  <dgm:styleLbl name="bgImgPlace1">
-    <dgm:scene3d>
-      <a:camera prst="orthographicFront"/>
-      <a:lightRig rig="threePt" dir="t"/>
-    </dgm:scene3d>
-    <dgm:sp3d/>
-    <dgm:txPr/>
-    <dgm:style>
-      <a:lnRef idx="2">
-        <a:scrgbClr r="0" g="0" b="0"/>
-      </a:lnRef>
-      <a:fillRef idx="1">
-        <a:scrgbClr r="0" g="0" b="0"/>
-      </a:fillRef>
-      <a:effectRef idx="0">
-        <a:scrgbClr r="0" g="0" b="0"/>
-      </a:effectRef>
-      <a:fontRef idx="minor"/>
-    </dgm:style>
-  </dgm:styleLbl>
-  <dgm:styleLbl name="sibTrans2D1">
-    <dgm:scene3d>
-      <a:camera prst="orthographicFront"/>
-      <a:lightRig rig="threePt" dir="t"/>
-    </dgm:scene3d>
-    <dgm:sp3d/>
-    <dgm:txPr/>
-    <dgm:style>
-      <a:lnRef idx="0">
-        <a:scrgbClr r="0" g="0" b="0"/>
-      </a:lnRef>
-      <a:fillRef idx="1">
-        <a:scrgbClr r="0" g="0" b="0"/>
-      </a:fillRef>
-      <a:effectRef idx="0">
-        <a:scrgbClr r="0" g="0" b="0"/>
-      </a:effectRef>
-      <a:fontRef idx="minor">
-        <a:schemeClr val="lt1"/>
-      </a:fontRef>
-    </dgm:style>
-  </dgm:styleLbl>
-  <dgm:styleLbl name="fgSibTrans2D1">
-    <dgm:scene3d>
-      <a:camera prst="orthographicFront"/>
-      <a:lightRig rig="threePt" dir="t"/>
-    </dgm:scene3d>
-    <dgm:sp3d/>
-    <dgm:txPr/>
-    <dgm:style>
-      <a:lnRef idx="0">
-        <a:scrgbClr r="0" g="0" b="0"/>
-      </a:lnRef>
-      <a:fillRef idx="1">
-        <a:scrgbClr r="0" g="0" b="0"/>
-      </a:fillRef>
-      <a:effectRef idx="0">
-        <a:scrgbClr r="0" g="0" b="0"/>
-      </a:effectRef>
-      <a:fontRef idx="minor">
-        <a:schemeClr val="lt1"/>
-      </a:fontRef>
-    </dgm:style>
-  </dgm:styleLbl>
-  <dgm:styleLbl name="bgSibTrans2D1">
-    <dgm:scene3d>
-      <a:camera prst="orthographicFront"/>
-      <a:lightRig rig="threePt" dir="t"/>
-    </dgm:scene3d>
-    <dgm:sp3d/>
-    <dgm:txPr/>
-    <dgm:style>
-      <a:lnRef idx="0">
-        <a:scrgbClr r="0" g="0" b="0"/>
-      </a:lnRef>
-      <a:fillRef idx="1">
-        <a:scrgbClr r="0" g="0" b="0"/>
-      </a:fillRef>
-      <a:effectRef idx="0">
-        <a:scrgbClr r="0" g="0" b="0"/>
-      </a:effectRef>
-      <a:fontRef idx="minor">
-        <a:schemeClr val="lt1"/>
-      </a:fontRef>
-    </dgm:style>
-  </dgm:styleLbl>
-  <dgm:styleLbl name="sibTrans1D1">
-    <dgm:scene3d>
-      <a:camera prst="orthographicFront"/>
-      <a:lightRig rig="threePt" dir="t"/>
-    </dgm:scene3d>
-    <dgm:sp3d/>
-    <dgm:txPr/>
-    <dgm:style>
-      <a:lnRef idx="1">
-        <a:scrgbClr r="0" g="0" b="0"/>
-      </a:lnRef>
-      <a:fillRef idx="0">
-        <a:scrgbClr r="0" g="0" b="0"/>
-      </a:fillRef>
-      <a:effectRef idx="0">
-        <a:scrgbClr r="0" g="0" b="0"/>
-      </a:effectRef>
-      <a:fontRef idx="minor"/>
-    </dgm:style>
-  </dgm:styleLbl>
-  <dgm:styleLbl name="callout">
-    <dgm:scene3d>
-      <a:camera prst="orthographicFront"/>
-      <a:lightRig rig="threePt" dir="t"/>
-    </dgm:scene3d>
-    <dgm:sp3d/>
-    <dgm:txPr/>
-    <dgm:style>
-      <a:lnRef idx="2">
-        <a:scrgbClr r="0" g="0" b="0"/>
-      </a:lnRef>
-      <a:fillRef idx="1">
-        <a:scrgbClr r="0" g="0" b="0"/>
-      </a:fillRef>
-      <a:effectRef idx="0">
-        <a:scrgbClr r="0" g="0" b="0"/>
-      </a:effectRef>
-      <a:fontRef idx="minor"/>
-    </dgm:style>
-  </dgm:styleLbl>
-  <dgm:styleLbl name="asst0">
-    <dgm:scene3d>
-      <a:camera prst="orthographicFront"/>
-      <a:lightRig rig="threePt" dir="t"/>
-    </dgm:scene3d>
-    <dgm:sp3d/>
-    <dgm:txPr/>
-    <dgm:style>
-      <a:lnRef idx="2">
-        <a:scrgbClr r="0" g="0" b="0"/>
-      </a:lnRef>
-      <a:fillRef idx="1">
-        <a:scrgbClr r="0" g="0" b="0"/>
-      </a:fillRef>
-      <a:effectRef idx="0">
-        <a:scrgbClr r="0" g="0" b="0"/>
-      </a:effectRef>
-      <a:fontRef idx="minor">
-        <a:schemeClr val="lt1"/>
-      </a:fontRef>
-    </dgm:style>
-  </dgm:styleLbl>
-  <dgm:styleLbl name="asst1">
-    <dgm:scene3d>
-      <a:camera prst="orthographicFront"/>
-      <a:lightRig rig="threePt" dir="t"/>
-    </dgm:scene3d>
-    <dgm:sp3d/>
-    <dgm:txPr/>
-    <dgm:style>
-      <a:lnRef idx="2">
-        <a:scrgbClr r="0" g="0" b="0"/>
-      </a:lnRef>
-      <a:fillRef idx="1">
-        <a:scrgbClr r="0" g="0" b="0"/>
-      </a:fillRef>
-      <a:effectRef idx="0">
-        <a:scrgbClr r="0" g="0" b="0"/>
-      </a:effectRef>
-      <a:fontRef idx="minor">
-        <a:schemeClr val="lt1"/>
-      </a:fontRef>
-    </dgm:style>
-  </dgm:styleLbl>
-  <dgm:styleLbl name="asst2">
-    <dgm:scene3d>
-      <a:camera prst="orthographicFront"/>
-      <a:lightRig rig="threePt" dir="t"/>
-    </dgm:scene3d>
-    <dgm:sp3d/>
-    <dgm:txPr/>
-    <dgm:style>
-      <a:lnRef idx="2">
-        <a:scrgbClr r="0" g="0" b="0"/>
-      </a:lnRef>
-      <a:fillRef idx="1">
-        <a:scrgbClr r="0" g="0" b="0"/>
-      </a:fillRef>
-      <a:effectRef idx="0">
-        <a:scrgbClr r="0" g="0" b="0"/>
-      </a:effectRef>
-      <a:fontRef idx="minor">
-        <a:schemeClr val="lt1"/>
-      </a:fontRef>
-    </dgm:style>
-  </dgm:styleLbl>
-  <dgm:styleLbl name="asst3">
-    <dgm:scene3d>
-      <a:camera prst="orthographicFront"/>
-      <a:lightRig rig="threePt" dir="t"/>
-    </dgm:scene3d>
-    <dgm:sp3d/>
-    <dgm:txPr/>
-    <dgm:style>
-      <a:lnRef idx="2">
-        <a:scrgbClr r="0" g="0" b="0"/>
-      </a:lnRef>
-      <a:fillRef idx="1">
-        <a:scrgbClr r="0" g="0" b="0"/>
-      </a:fillRef>
-      <a:effectRef idx="0">
-        <a:scrgbClr r="0" g="0" b="0"/>
-      </a:effectRef>
-      <a:fontRef idx="minor">
-        <a:schemeClr val="lt1"/>
-      </a:fontRef>
-    </dgm:style>
-  </dgm:styleLbl>
-  <dgm:styleLbl name="asst4">
-    <dgm:scene3d>
-      <a:camera prst="orthographicFront"/>
-      <a:lightRig rig="threePt" dir="t"/>
-    </dgm:scene3d>
-    <dgm:sp3d/>
-    <dgm:txPr/>
-    <dgm:style>
-      <a:lnRef idx="2">
-        <a:scrgbClr r="0" g="0" b="0"/>
-      </a:lnRef>
-      <a:fillRef idx="1">
-        <a:scrgbClr r="0" g="0" b="0"/>
-      </a:fillRef>
-      <a:effectRef idx="0">
-        <a:scrgbClr r="0" g="0" b="0"/>
-      </a:effectRef>
-      <a:fontRef idx="minor">
-        <a:schemeClr val="lt1"/>
-      </a:fontRef>
-    </dgm:style>
-  </dgm:styleLbl>
-  <dgm:styleLbl name="parChTrans2D1">
-    <dgm:scene3d>
-      <a:camera prst="orthographicFront"/>
-      <a:lightRig rig="threePt" dir="t"/>
-    </dgm:scene3d>
-    <dgm:sp3d/>
-    <dgm:txPr/>
-    <dgm:style>
-      <a:lnRef idx="2">
-        <a:scrgbClr r="0" g="0" b="0"/>
-      </a:lnRef>
-      <a:fillRef idx="1">
-        <a:scrgbClr r="0" g="0" b="0"/>
-      </a:fillRef>
-      <a:effectRef idx="0">
-        <a:scrgbClr r="0" g="0" b="0"/>
-      </a:effectRef>
-      <a:fontRef idx="minor">
-        <a:schemeClr val="lt1"/>
-      </a:fontRef>
-    </dgm:style>
-  </dgm:styleLbl>
-  <dgm:styleLbl name="parChTrans2D2">
-    <dgm:scene3d>
-      <a:camera prst="orthographicFront"/>
-      <a:lightRig rig="threePt" dir="t"/>
-    </dgm:scene3d>
-    <dgm:sp3d/>
-    <dgm:txPr/>
-    <dgm:style>
-      <a:lnRef idx="2">
-        <a:scrgbClr r="0" g="0" b="0"/>
-      </a:lnRef>
-      <a:fillRef idx="1">
-        <a:scrgbClr r="0" g="0" b="0"/>
-      </a:fillRef>
-      <a:effectRef idx="0">
-        <a:scrgbClr r="0" g="0" b="0"/>
-      </a:effectRef>
-      <a:fontRef idx="minor">
-        <a:schemeClr val="lt1"/>
-      </a:fontRef>
-    </dgm:style>
-  </dgm:styleLbl>
-  <dgm:styleLbl name="parChTrans2D3">
-    <dgm:scene3d>
-      <a:camera prst="orthographicFront"/>
-      <a:lightRig rig="threePt" dir="t"/>
-    </dgm:scene3d>
-    <dgm:sp3d/>
-    <dgm:txPr/>
-    <dgm:style>
-      <a:lnRef idx="2">
-        <a:scrgbClr r="0" g="0" b="0"/>
-      </a:lnRef>
-      <a:fillRef idx="1">
-        <a:scrgbClr r="0" g="0" b="0"/>
-      </a:fillRef>
-      <a:effectRef idx="0">
-        <a:scrgbClr r="0" g="0" b="0"/>
-      </a:effectRef>
-      <a:fontRef idx="minor">
-        <a:schemeClr val="lt1"/>
-      </a:fontRef>
-    </dgm:style>
-  </dgm:styleLbl>
-  <dgm:styleLbl name="parChTrans2D4">
-    <dgm:scene3d>
-      <a:camera prst="orthographicFront"/>
-      <a:lightRig rig="threePt" dir="t"/>
-    </dgm:scene3d>
-    <dgm:sp3d/>
-    <dgm:txPr/>
-    <dgm:style>
-      <a:lnRef idx="2">
-        <a:scrgbClr r="0" g="0" b="0"/>
-      </a:lnRef>
-      <a:fillRef idx="1">
-        <a:scrgbClr r="0" g="0" b="0"/>
-      </a:fillRef>
-      <a:effectRef idx="0">
-        <a:scrgbClr r="0" g="0" b="0"/>
-      </a:effectRef>
-      <a:fontRef idx="minor">
-        <a:schemeClr val="lt1"/>
-      </a:fontRef>
-    </dgm:style>
-  </dgm:styleLbl>
-  <dgm:styleLbl name="parChTrans1D1">
-    <dgm:scene3d>
-      <a:camera prst="orthographicFront"/>
-      <a:lightRig rig="threePt" dir="t"/>
-    </dgm:scene3d>
-    <dgm:sp3d/>
-    <dgm:txPr/>
-    <dgm:style>
-      <a:lnRef idx="2">
-        <a:scrgbClr r="0" g="0" b="0"/>
-      </a:lnRef>
-      <a:fillRef idx="0">
-        <a:scrgbClr r="0" g="0" b="0"/>
-      </a:fillRef>
-      <a:effectRef idx="0">
-        <a:scrgbClr r="0" g="0" b="0"/>
-      </a:effectRef>
-      <a:fontRef idx="minor"/>
-    </dgm:style>
-  </dgm:styleLbl>
-  <dgm:styleLbl name="parChTrans1D2">
-    <dgm:scene3d>
-      <a:camera prst="orthographicFront"/>
-      <a:lightRig rig="threePt" dir="t"/>
-    </dgm:scene3d>
-    <dgm:sp3d/>
-    <dgm:txPr/>
-    <dgm:style>
-      <a:lnRef idx="2">
-        <a:scrgbClr r="0" g="0" b="0"/>
-      </a:lnRef>
-      <a:fillRef idx="0">
-        <a:scrgbClr r="0" g="0" b="0"/>
-      </a:fillRef>
-      <a:effectRef idx="0">
-        <a:scrgbClr r="0" g="0" b="0"/>
-      </a:effectRef>
-      <a:fontRef idx="minor"/>
-    </dgm:style>
-  </dgm:styleLbl>
-  <dgm:styleLbl name="parChTrans1D3">
-    <dgm:scene3d>
-      <a:camera prst="orthographicFront"/>
-      <a:lightRig rig="threePt" dir="t"/>
-    </dgm:scene3d>
-    <dgm:sp3d/>
-    <dgm:txPr/>
-    <dgm:style>
-      <a:lnRef idx="2">
-        <a:scrgbClr r="0" g="0" b="0"/>
-      </a:lnRef>
-      <a:fillRef idx="0">
-        <a:scrgbClr r="0" g="0" b="0"/>
-      </a:fillRef>
-      <a:effectRef idx="0">
-        <a:scrgbClr r="0" g="0" b="0"/>
-      </a:effectRef>
-      <a:fontRef idx="minor"/>
-    </dgm:style>
-  </dgm:styleLbl>
-  <dgm:styleLbl name="parChTrans1D4">
-    <dgm:scene3d>
-      <a:camera prst="orthographicFront"/>
-      <a:lightRig rig="threePt" dir="t"/>
-    </dgm:scene3d>
-    <dgm:sp3d/>
-    <dgm:txPr/>
-    <dgm:style>
-      <a:lnRef idx="2">
-        <a:scrgbClr r="0" g="0" b="0"/>
-      </a:lnRef>
-      <a:fillRef idx="0">
-        <a:scrgbClr r="0" g="0" b="0"/>
-      </a:fillRef>
-      <a:effectRef idx="0">
-        <a:scrgbClr r="0" g="0" b="0"/>
-      </a:effectRef>
-      <a:fontRef idx="minor"/>
-    </dgm:style>
-  </dgm:styleLbl>
-  <dgm:styleLbl name="fgAcc1">
-    <dgm:scene3d>
-      <a:camera prst="orthographicFront"/>
-      <a:lightRig rig="threePt" dir="t"/>
-    </dgm:scene3d>
-    <dgm:sp3d/>
-    <dgm:txPr/>
-    <dgm:style>
-      <a:lnRef idx="2">
-        <a:scrgbClr r="0" g="0" b="0"/>
-      </a:lnRef>
-      <a:fillRef idx="1">
-        <a:scrgbClr r="0" g="0" b="0"/>
-      </a:fillRef>
-      <a:effectRef idx="0">
-        <a:scrgbClr r="0" g="0" b="0"/>
-      </a:effectRef>
-      <a:fontRef idx="minor"/>
-    </dgm:style>
-  </dgm:styleLbl>
-  <dgm:styleLbl name="conFgAcc1">
-    <dgm:scene3d>
-      <a:camera prst="orthographicFront"/>
-      <a:lightRig rig="threePt" dir="t"/>
-    </dgm:scene3d>
-    <dgm:sp3d/>
-    <dgm:txPr/>
-    <dgm:style>
-      <a:lnRef idx="2">
-        <a:scrgbClr r="0" g="0" b="0"/>
-      </a:lnRef>
-      <a:fillRef idx="1">
-        <a:scrgbClr r="0" g="0" b="0"/>
-      </a:fillRef>
-      <a:effectRef idx="0">
-        <a:scrgbClr r="0" g="0" b="0"/>
-      </a:effectRef>
-      <a:fontRef idx="minor"/>
-    </dgm:style>
-  </dgm:styleLbl>
-  <dgm:styleLbl name="alignAcc1">
-    <dgm:scene3d>
-      <a:camera prst="orthographicFront"/>
-      <a:lightRig rig="threePt" dir="t"/>
-    </dgm:scene3d>
-    <dgm:sp3d/>
-    <dgm:txPr/>
-    <dgm:style>
-      <a:lnRef idx="2">
-        <a:scrgbClr r="0" g="0" b="0"/>
-      </a:lnRef>
-      <a:fillRef idx="1">
-        <a:scrgbClr r="0" g="0" b="0"/>
-      </a:fillRef>
-      <a:effectRef idx="0">
-        <a:scrgbClr r="0" g="0" b="0"/>
-      </a:effectRef>
-      <a:fontRef idx="minor"/>
-    </dgm:style>
-  </dgm:styleLbl>
-  <dgm:styleLbl name="trAlignAcc1">
-    <dgm:scene3d>
-      <a:camera prst="orthographicFront"/>
-      <a:lightRig rig="threePt" dir="t"/>
-    </dgm:scene3d>
-    <dgm:sp3d/>
-    <dgm:txPr/>
-    <dgm:style>
-      <a:lnRef idx="1">
-        <a:scrgbClr r="0" g="0" b="0"/>
-      </a:lnRef>
-      <a:fillRef idx="1">
-        <a:scrgbClr r="0" g="0" b="0"/>
-      </a:fillRef>
-      <a:effectRef idx="0">
-        <a:scrgbClr r="0" g="0" b="0"/>
-      </a:effectRef>
-      <a:fontRef idx="minor"/>
-    </dgm:style>
-  </dgm:styleLbl>
-  <dgm:styleLbl name="bgAcc1">
-    <dgm:scene3d>
-      <a:camera prst="orthographicFront"/>
-      <a:lightRig rig="threePt" dir="t"/>
-    </dgm:scene3d>
-    <dgm:sp3d/>
-    <dgm:txPr/>
-    <dgm:style>
-      <a:lnRef idx="2">
-        <a:scrgbClr r="0" g="0" b="0"/>
-      </a:lnRef>
-      <a:fillRef idx="1">
-        <a:scrgbClr r="0" g="0" b="0"/>
-      </a:fillRef>
-      <a:effectRef idx="0">
-        <a:scrgbClr r="0" g="0" b="0"/>
-      </a:effectRef>
-      <a:fontRef idx="minor"/>
-    </dgm:style>
-  </dgm:styleLbl>
-  <dgm:styleLbl name="solidFgAcc1">
-    <dgm:scene3d>
-      <a:camera prst="orthographicFront"/>
-      <a:lightRig rig="threePt" dir="t"/>
-    </dgm:scene3d>
-    <dgm:sp3d/>
-    <dgm:txPr/>
-    <dgm:style>
-      <a:lnRef idx="2">
-        <a:scrgbClr r="0" g="0" b="0"/>
-      </a:lnRef>
-      <a:fillRef idx="1">
-        <a:scrgbClr r="0" g="0" b="0"/>
-      </a:fillRef>
-      <a:effectRef idx="0">
-        <a:scrgbClr r="0" g="0" b="0"/>
-      </a:effectRef>
-      <a:fontRef idx="minor"/>
-    </dgm:style>
-  </dgm:styleLbl>
-  <dgm:styleLbl name="solidAlignAcc1">
-    <dgm:scene3d>
-      <a:camera prst="orthographicFront"/>
-      <a:lightRig rig="threePt" dir="t"/>
-    </dgm:scene3d>
-    <dgm:sp3d/>
-    <dgm:txPr/>
-    <dgm:style>
-      <a:lnRef idx="2">
-        <a:scrgbClr r="0" g="0" b="0"/>
-      </a:lnRef>
-      <a:fillRef idx="1">
-        <a:scrgbClr r="0" g="0" b="0"/>
-      </a:fillRef>
-      <a:effectRef idx="0">
-        <a:scrgbClr r="0" g="0" b="0"/>
-      </a:effectRef>
-      <a:fontRef idx="minor"/>
-    </dgm:style>
-  </dgm:styleLbl>
-  <dgm:styleLbl name="solidBgAcc1">
-    <dgm:scene3d>
-      <a:camera prst="orthographicFront"/>
-      <a:lightRig rig="threePt" dir="t"/>
-    </dgm:scene3d>
-    <dgm:sp3d/>
-    <dgm:txPr/>
-    <dgm:style>
-      <a:lnRef idx="2">
-        <a:scrgbClr r="0" g="0" b="0"/>
-      </a:lnRef>
-      <a:fillRef idx="1">
-        <a:scrgbClr r="0" g="0" b="0"/>
-      </a:fillRef>
-      <a:effectRef idx="0">
-        <a:scrgbClr r="0" g="0" b="0"/>
-      </a:effectRef>
-      <a:fontRef idx="minor"/>
-    </dgm:style>
-  </dgm:styleLbl>
-  <dgm:styleLbl name="fgAccFollowNode1">
-    <dgm:scene3d>
-      <a:camera prst="orthographicFront"/>
-      <a:lightRig rig="threePt" dir="t"/>
-    </dgm:scene3d>
-    <dgm:sp3d/>
-    <dgm:txPr/>
-    <dgm:style>
-      <a:lnRef idx="2">
-        <a:scrgbClr r="0" g="0" b="0"/>
-      </a:lnRef>
-      <a:fillRef idx="1">
-        <a:scrgbClr r="0" g="0" b="0"/>
-      </a:fillRef>
-      <a:effectRef idx="0">
-        <a:scrgbClr r="0" g="0" b="0"/>
-      </a:effectRef>
-      <a:fontRef idx="minor"/>
-    </dgm:style>
-  </dgm:styleLbl>
-  <dgm:styleLbl name="alignAccFollowNode1">
-    <dgm:scene3d>
-      <a:camera prst="orthographicFront"/>
-      <a:lightRig rig="threePt" dir="t"/>
-    </dgm:scene3d>
-    <dgm:sp3d/>
-    <dgm:txPr/>
-    <dgm:style>
-      <a:lnRef idx="2">
-        <a:scrgbClr r="0" g="0" b="0"/>
-      </a:lnRef>
-      <a:fillRef idx="1">
-        <a:scrgbClr r="0" g="0" b="0"/>
-      </a:fillRef>
-      <a:effectRef idx="0">
-        <a:scrgbClr r="0" g="0" b="0"/>
-      </a:effectRef>
-      <a:fontRef idx="minor"/>
-    </dgm:style>
-  </dgm:styleLbl>
-  <dgm:styleLbl name="bgAccFollowNode1">
-    <dgm:scene3d>
-      <a:camera prst="orthographicFront"/>
-      <a:lightRig rig="threePt" dir="t"/>
-    </dgm:scene3d>
-    <dgm:sp3d/>
-    <dgm:txPr/>
-    <dgm:style>
-      <a:lnRef idx="2">
-        <a:scrgbClr r="0" g="0" b="0"/>
-      </a:lnRef>
-      <a:fillRef idx="1">
-        <a:scrgbClr r="0" g="0" b="0"/>
-      </a:fillRef>
-      <a:effectRef idx="0">
-        <a:scrgbClr r="0" g="0" b="0"/>
-      </a:effectRef>
-      <a:fontRef idx="minor"/>
-    </dgm:style>
-  </dgm:styleLbl>
-  <dgm:styleLbl name="fgAcc0">
-    <dgm:scene3d>
-      <a:camera prst="orthographicFront"/>
-      <a:lightRig rig="threePt" dir="t"/>
-    </dgm:scene3d>
-    <dgm:sp3d/>
-    <dgm:txPr/>
-    <dgm:style>
-      <a:lnRef idx="2">
-        <a:scrgbClr r="0" g="0" b="0"/>
-      </a:lnRef>
-      <a:fillRef idx="1">
-        <a:scrgbClr r="0" g="0" b="0"/>
-      </a:fillRef>
-      <a:effectRef idx="0">
-        <a:scrgbClr r="0" g="0" b="0"/>
-      </a:effectRef>
-      <a:fontRef idx="minor"/>
-    </dgm:style>
-  </dgm:styleLbl>
-  <dgm:styleLbl name="fgAcc2">
-    <dgm:scene3d>
-      <a:camera prst="orthographicFront"/>
-      <a:lightRig rig="threePt" dir="t"/>
-    </dgm:scene3d>
-    <dgm:sp3d/>
-    <dgm:txPr/>
-    <dgm:style>
-      <a:lnRef idx="2">
-        <a:scrgbClr r="0" g="0" b="0"/>
-      </a:lnRef>
-      <a:fillRef idx="1">
-        <a:scrgbClr r="0" g="0" b="0"/>
-      </a:fillRef>
-      <a:effectRef idx="0">
-        <a:scrgbClr r="0" g="0" b="0"/>
-      </a:effectRef>
-      <a:fontRef idx="minor"/>
-    </dgm:style>
-  </dgm:styleLbl>
-  <dgm:styleLbl name="fgAcc3">
-    <dgm:scene3d>
-      <a:camera prst="orthographicFront"/>
-      <a:lightRig rig="threePt" dir="t"/>
-    </dgm:scene3d>
-    <dgm:sp3d/>
-    <dgm:txPr/>
-    <dgm:style>
-      <a:lnRef idx="2">
-        <a:scrgbClr r="0" g="0" b="0"/>
-      </a:lnRef>
-      <a:fillRef idx="1">
-        <a:scrgbClr r="0" g="0" b="0"/>
-      </a:fillRef>
-      <a:effectRef idx="0">
-        <a:scrgbClr r="0" g="0" b="0"/>
-      </a:effectRef>
-      <a:fontRef idx="minor"/>
-    </dgm:style>
-  </dgm:styleLbl>
-  <dgm:styleLbl name="fgAcc4">
-    <dgm:scene3d>
-      <a:camera prst="orthographicFront"/>
-      <a:lightRig rig="threePt" dir="t"/>
-    </dgm:scene3d>
-    <dgm:sp3d/>
-    <dgm:txPr/>
-    <dgm:style>
-      <a:lnRef idx="2">
-        <a:scrgbClr r="0" g="0" b="0"/>
-      </a:lnRef>
-      <a:fillRef idx="1">
-        <a:scrgbClr r="0" g="0" b="0"/>
-      </a:fillRef>
-      <a:effectRef idx="0">
-        <a:scrgbClr r="0" g="0" b="0"/>
-      </a:effectRef>
-      <a:fontRef idx="minor"/>
-    </dgm:style>
-  </dgm:styleLbl>
-  <dgm:styleLbl name="bgShp">
-    <dgm:scene3d>
-      <a:camera prst="orthographicFront"/>
-      <a:lightRig rig="threePt" dir="t"/>
-    </dgm:scene3d>
-    <dgm:sp3d/>
-    <dgm:txPr/>
-    <dgm:style>
-      <a:lnRef idx="0">
-        <a:scrgbClr r="0" g="0" b="0"/>
-      </a:lnRef>
-      <a:fillRef idx="1">
-        <a:scrgbClr r="0" g="0" b="0"/>
-      </a:fillRef>
-      <a:effectRef idx="0">
-        <a:scrgbClr r="0" g="0" b="0"/>
-      </a:effectRef>
-      <a:fontRef idx="minor"/>
-    </dgm:style>
-  </dgm:styleLbl>
-  <dgm:styleLbl name="dkBgShp">
-    <dgm:scene3d>
-      <a:camera prst="orthographicFront"/>
-      <a:lightRig rig="threePt" dir="t"/>
-    </dgm:scene3d>
-    <dgm:sp3d/>
-    <dgm:txPr/>
-    <dgm:style>
-      <a:lnRef idx="0">
-        <a:scrgbClr r="0" g="0" b="0"/>
-      </a:lnRef>
-      <a:fillRef idx="1">
-        <a:scrgbClr r="0" g="0" b="0"/>
-      </a:fillRef>
-      <a:effectRef idx="0">
-        <a:scrgbClr r="0" g="0" b="0"/>
-      </a:effectRef>
-      <a:fontRef idx="minor"/>
-    </dgm:style>
-  </dgm:styleLbl>
-  <dgm:styleLbl name="trBgShp">
-    <dgm:scene3d>
-      <a:camera prst="orthographicFront"/>
-      <a:lightRig rig="threePt" dir="t"/>
-    </dgm:scene3d>
-    <dgm:sp3d/>
-    <dgm:txPr/>
-    <dgm:style>
-      <a:lnRef idx="0">
-        <a:scrgbClr r="0" g="0" b="0"/>
-      </a:lnRef>
-      <a:fillRef idx="1">
-        <a:scrgbClr r="0" g="0" b="0"/>
-      </a:fillRef>
-      <a:effectRef idx="0">
-        <a:scrgbClr r="0" g="0" b="0"/>
-      </a:effectRef>
-      <a:fontRef idx="minor"/>
-    </dgm:style>
-  </dgm:styleLbl>
-  <dgm:styleLbl name="fgShp">
-    <dgm:scene3d>
-      <a:camera prst="orthographicFront"/>
-      <a:lightRig rig="threePt" dir="t"/>
-    </dgm:scene3d>
-    <dgm:sp3d/>
-    <dgm:txPr/>
-    <dgm:style>
-      <a:lnRef idx="2">
-        <a:scrgbClr r="0" g="0" b="0"/>
-      </a:lnRef>
-      <a:fillRef idx="1">
-        <a:scrgbClr r="0" g="0" b="0"/>
-      </a:fillRef>
-      <a:effectRef idx="0">
-        <a:scrgbClr r="0" g="0" b="0"/>
-      </a:effectRef>
-      <a:fontRef idx="minor"/>
-    </dgm:style>
-  </dgm:styleLbl>
-  <dgm:styleLbl name="revTx">
-    <dgm:scene3d>
-      <a:camera prst="orthographicFront"/>
-      <a:lightRig rig="threePt" dir="t"/>
-    </dgm:scene3d>
-    <dgm:sp3d/>
-    <dgm:txPr/>
-    <dgm:style>
-      <a:lnRef idx="0">
-        <a:scrgbClr r="0" g="0" b="0"/>
-      </a:lnRef>
-      <a:fillRef idx="0">
-        <a:scrgbClr r="0" g="0" b="0"/>
-      </a:fillRef>
-      <a:effectRef idx="0">
-        <a:scrgbClr r="0" g="0" b="0"/>
-      </a:effectRef>
-      <a:fontRef idx="minor"/>
-    </dgm:style>
-  </dgm:styleLbl>
-</dgm:styleDef>
-</file>
-
 <file path=ppt/notesMasters/notesMaster1.xml><?xml version="1.0" encoding="utf-8"?>
 <p:notesMaster xmlns:a="http://schemas.openxmlformats.org/drawingml/2006/main" xmlns:r="http://schemas.openxmlformats.org/officeDocument/2006/relationships" xmlns:p="http://schemas.openxmlformats.org/presentationml/2006/main">
   <p:cSld>
@@ -3013,7 +203,7 @@
           <a:p>
             <a:fld id="{AE73BE77-CF9D-41C1-9A46-0C9C6AF6D9EA}" type="datetimeFigureOut">
               <a:rPr lang="ro-RO" smtClean="0"/>
-              <a:t>27.10.2021</a:t>
+              <a:t>26.11.2021</a:t>
             </a:fld>
             <a:endParaRPr lang="ro-RO"/>
           </a:p>
@@ -3469,7 +659,7 @@
           <a:p>
             <a:fld id="{98B0508E-28D7-4C07-A327-C6BAFBCA7AAB}" type="datetime1">
               <a:rPr lang="en-US" smtClean="0"/>
-              <a:t>10/27/2021</a:t>
+              <a:t>11/26/2021</a:t>
             </a:fld>
             <a:endParaRPr lang="en-US"/>
           </a:p>
@@ -3807,7 +997,7 @@
           <a:p>
             <a:fld id="{85D7E6E6-63DB-4CB9-A4B7-0B5C8502880C}" type="datetime1">
               <a:rPr lang="en-US" smtClean="0"/>
-              <a:t>10/27/2021</a:t>
+              <a:t>11/26/2021</a:t>
             </a:fld>
             <a:endParaRPr lang="en-US"/>
           </a:p>
@@ -4208,7 +1398,7 @@
           <a:p>
             <a:fld id="{4DC9A3E7-B710-4DBB-9CDB-5B1B222BDE9B}" type="datetime1">
               <a:rPr lang="en-US" smtClean="0"/>
-              <a:t>10/27/2021</a:t>
+              <a:t>11/26/2021</a:t>
             </a:fld>
             <a:endParaRPr lang="en-US"/>
           </a:p>
@@ -4544,7 +1734,7 @@
           <a:p>
             <a:fld id="{052A376C-AC4E-4AE2-8D03-113E09A9F1B5}" type="datetime1">
               <a:rPr lang="en-US" smtClean="0"/>
-              <a:t>10/27/2021</a:t>
+              <a:t>11/26/2021</a:t>
             </a:fld>
             <a:endParaRPr lang="en-US"/>
           </a:p>
@@ -4864,7 +2054,7 @@
           <a:p>
             <a:fld id="{65CF54AA-C341-49DB-A9C0-1A801481D328}" type="datetime1">
               <a:rPr lang="en-US" smtClean="0"/>
-              <a:t>10/27/2021</a:t>
+              <a:t>11/26/2021</a:t>
             </a:fld>
             <a:endParaRPr lang="en-US"/>
           </a:p>
@@ -5260,7 +2450,7 @@
           <a:p>
             <a:fld id="{5746C5F4-9C02-4AD4-B46C-6F47799D1944}" type="datetime1">
               <a:rPr lang="en-US" smtClean="0"/>
-              <a:t>10/27/2021</a:t>
+              <a:t>11/26/2021</a:t>
             </a:fld>
             <a:endParaRPr lang="en-US"/>
           </a:p>
@@ -5517,7 +2707,7 @@
           <a:p>
             <a:fld id="{B31F226D-3415-48F1-9784-7B12C8D4E016}" type="datetime1">
               <a:rPr lang="en-US" smtClean="0"/>
-              <a:t>10/27/2021</a:t>
+              <a:t>11/26/2021</a:t>
             </a:fld>
             <a:endParaRPr lang="en-US"/>
           </a:p>
@@ -5779,7 +2969,7 @@
           <a:p>
             <a:fld id="{60456BFA-A8EE-4463-9964-640E3A989CC4}" type="datetime1">
               <a:rPr lang="en-US" smtClean="0"/>
-              <a:t>10/27/2021</a:t>
+              <a:t>11/26/2021</a:t>
             </a:fld>
             <a:endParaRPr lang="en-US"/>
           </a:p>
@@ -6041,7 +3231,7 @@
           <a:p>
             <a:fld id="{C5BFA40C-8B44-45C3-8C1E-2901B00428CB}" type="datetime1">
               <a:rPr lang="en-US" smtClean="0"/>
-              <a:t>10/27/2021</a:t>
+              <a:t>11/26/2021</a:t>
             </a:fld>
             <a:endParaRPr lang="en-US"/>
           </a:p>
@@ -6370,7 +3560,7 @@
           <a:p>
             <a:fld id="{E4C53A8D-9C21-45A1-8CAD-5F002E68E167}" type="datetime1">
               <a:rPr lang="en-US" smtClean="0"/>
-              <a:t>10/27/2021</a:t>
+              <a:t>11/26/2021</a:t>
             </a:fld>
             <a:endParaRPr lang="en-US"/>
           </a:p>
@@ -6693,7 +3883,7 @@
           <a:p>
             <a:fld id="{A441790C-7EDE-47EE-864F-D5327F59B305}" type="datetime1">
               <a:rPr lang="en-US" smtClean="0"/>
-              <a:t>10/27/2021</a:t>
+              <a:t>11/26/2021</a:t>
             </a:fld>
             <a:endParaRPr lang="en-US"/>
           </a:p>
@@ -7150,7 +4340,7 @@
           <a:p>
             <a:fld id="{AD684147-4086-4288-96C7-1FA46E51ACAA}" type="datetime1">
               <a:rPr lang="en-US" smtClean="0"/>
-              <a:t>10/27/2021</a:t>
+              <a:t>11/26/2021</a:t>
             </a:fld>
             <a:endParaRPr lang="en-US"/>
           </a:p>
@@ -7355,7 +4545,7 @@
           <a:p>
             <a:fld id="{AB352D7A-EBBE-41E8-9171-0ED3184DCA2A}" type="datetime1">
               <a:rPr lang="en-US" smtClean="0"/>
-              <a:t>10/27/2021</a:t>
+              <a:t>11/26/2021</a:t>
             </a:fld>
             <a:endParaRPr lang="en-US"/>
           </a:p>
@@ -7532,7 +4722,7 @@
           <a:p>
             <a:fld id="{CE271034-AA41-49D0-9F0C-DC0756C4B358}" type="datetime1">
               <a:rPr lang="en-US" smtClean="0"/>
-              <a:t>10/27/2021</a:t>
+              <a:t>11/26/2021</a:t>
             </a:fld>
             <a:endParaRPr lang="en-US"/>
           </a:p>
@@ -7865,7 +5055,7 @@
           <a:p>
             <a:fld id="{CF83C243-D147-42C5-8427-3744C5A07490}" type="datetime1">
               <a:rPr lang="en-US" smtClean="0"/>
-              <a:t>10/27/2021</a:t>
+              <a:t>11/26/2021</a:t>
             </a:fld>
             <a:endParaRPr lang="en-US"/>
           </a:p>
@@ -8210,7 +5400,7 @@
           <a:p>
             <a:fld id="{498AEDB7-8E0A-4FBF-AB15-E332CD4821F1}" type="datetime1">
               <a:rPr lang="en-US" smtClean="0"/>
-              <a:t>10/27/2021</a:t>
+              <a:t>11/26/2021</a:t>
             </a:fld>
             <a:endParaRPr lang="en-US"/>
           </a:p>
@@ -10327,7 +7517,7 @@
           <a:p>
             <a:fld id="{CF8D28FF-3BD9-45DA-B7F0-CC83C12E3FF2}" type="datetime1">
               <a:rPr lang="en-US" smtClean="0"/>
-              <a:t>10/27/2021</a:t>
+              <a:t>11/26/2021</a:t>
             </a:fld>
             <a:endParaRPr lang="en-US"/>
           </a:p>
@@ -11015,7 +8205,7 @@
                   </a:schemeClr>
                 </a:solidFill>
               </a:rPr>
-              <a:t>eHealth</a:t>
+              <a:t>CASMR</a:t>
             </a:r>
           </a:p>
         </p:txBody>
@@ -11036,7 +8226,7 @@
         </p:nvSpPr>
         <p:spPr>
           <a:xfrm>
-            <a:off x="1828121" y="3687468"/>
+            <a:off x="3104660" y="3696704"/>
             <a:ext cx="4594468" cy="528484"/>
           </a:xfrm>
           <a:prstGeom prst="rect">
@@ -11128,7 +8318,7 @@
                   <a:schemeClr val="tx1"/>
                 </a:solidFill>
               </a:rPr>
-              <a:t>Project Proposal: </a:t>
+              <a:t>Project : </a:t>
             </a:r>
           </a:p>
         </p:txBody>
@@ -11234,22 +8424,6 @@
               </a:defRPr>
             </a:lvl9pPr>
           </a:lstStyle>
-          <a:p>
-            <a:pPr algn="ctr"/>
-            <a:r>
-              <a:rPr lang="pt-BR" sz="2400">
-                <a:solidFill>
-                  <a:schemeClr val="tx1"/>
-                </a:solidFill>
-              </a:rPr>
-              <a:t>Amparo Betancourt</a:t>
-            </a:r>
-            <a:endParaRPr lang="pt-BR" sz="2400" dirty="0">
-              <a:solidFill>
-                <a:schemeClr val="tx1"/>
-              </a:solidFill>
-            </a:endParaRPr>
-          </a:p>
           <a:p>
             <a:pPr algn="ctr"/>
             <a:r>
@@ -11434,8 +8608,8 @@
         </p:nvSpPr>
         <p:spPr>
           <a:xfrm>
-            <a:off x="6176145" y="3373733"/>
-            <a:ext cx="4918229" cy="923330"/>
+            <a:off x="5234472" y="3326258"/>
+            <a:ext cx="5348916" cy="923330"/>
           </a:xfrm>
           <a:prstGeom prst="rect">
             <a:avLst/>
@@ -11449,8 +8623,16 @@
           <a:lstStyle/>
           <a:p>
             <a:r>
+              <a:rPr lang="en-US" sz="5400" dirty="0"/>
+              <a:t>R</a:t>
+            </a:r>
+            <a:r>
+              <a:rPr lang="en-GB" sz="5400" dirty="0" err="1"/>
+              <a:t>obot</a:t>
+            </a:r>
+            <a:r>
               <a:rPr lang="en-GB" sz="5400" dirty="0"/>
-              <a:t>Neural Ink</a:t>
+              <a:t> Assistant</a:t>
             </a:r>
           </a:p>
         </p:txBody>
@@ -11516,7 +8698,7 @@
             <a:pPr algn="ctr"/>
             <a:r>
               <a:rPr lang="en-US" sz="4800" dirty="0"/>
-              <a:t>OUTLINE</a:t>
+              <a:t>Block Diagram</a:t>
             </a:r>
           </a:p>
         </p:txBody>
@@ -11556,70 +8738,889 @@
           </a:prstGeom>
         </p:spPr>
       </p:pic>
-      <p:graphicFrame>
-        <p:nvGraphicFramePr>
-          <p:cNvPr id="3076" name="CuadroTexto 2">
+      <p:sp>
+        <p:nvSpPr>
+          <p:cNvPr id="2" name="Rectangle: Rounded Corners 1">
             <a:extLst>
               <a:ext uri="{FF2B5EF4-FFF2-40B4-BE49-F238E27FC236}">
-                <a16:creationId xmlns:a16="http://schemas.microsoft.com/office/drawing/2014/main" id="{66FC8C0F-7C73-49C7-83D8-96B14F5C5D7E}"/>
+                <a16:creationId xmlns:a16="http://schemas.microsoft.com/office/drawing/2014/main" id="{8F6247E3-BB1A-4C4C-B8C0-481A3CAD0139}"/>
               </a:ext>
             </a:extLst>
           </p:cNvPr>
-          <p:cNvGraphicFramePr/>
-          <p:nvPr>
-            <p:extLst>
-              <p:ext uri="{D42A27DB-BD31-4B8C-83A1-F6EECF244321}">
-                <p14:modId xmlns:p14="http://schemas.microsoft.com/office/powerpoint/2010/main" val="1941082092"/>
-              </p:ext>
-            </p:extLst>
-          </p:nvPr>
-        </p:nvGraphicFramePr>
-        <p:xfrm>
-          <a:off x="3351940" y="2238087"/>
-          <a:ext cx="6802016" cy="4053527"/>
-        </p:xfrm>
-        <a:graphic>
-          <a:graphicData uri="http://schemas.openxmlformats.org/drawingml/2006/diagram">
-            <dgm:relIds xmlns:dgm="http://schemas.openxmlformats.org/drawingml/2006/diagram" xmlns:r="http://schemas.openxmlformats.org/officeDocument/2006/relationships" r:dm="rId3" r:lo="rId4" r:qs="rId5" r:cs="rId6"/>
-          </a:graphicData>
-        </a:graphic>
-      </p:graphicFrame>
-      <p:pic>
-        <p:nvPicPr>
-          <p:cNvPr id="8" name="Picture 7" descr="Logo&#10;&#10;Description automatically generated">
+          <p:cNvSpPr/>
+          <p:nvPr/>
+        </p:nvSpPr>
+        <p:spPr>
+          <a:xfrm>
+            <a:off x="671952" y="3087421"/>
+            <a:ext cx="1157453" cy="595085"/>
+          </a:xfrm>
+          <a:prstGeom prst="roundRect">
+            <a:avLst/>
+          </a:prstGeom>
+        </p:spPr>
+        <p:style>
+          <a:lnRef idx="2">
+            <a:schemeClr val="accent1">
+              <a:shade val="50000"/>
+            </a:schemeClr>
+          </a:lnRef>
+          <a:fillRef idx="1">
+            <a:schemeClr val="accent1"/>
+          </a:fillRef>
+          <a:effectRef idx="0">
+            <a:schemeClr val="accent1"/>
+          </a:effectRef>
+          <a:fontRef idx="minor">
+            <a:schemeClr val="lt1"/>
+          </a:fontRef>
+        </p:style>
+        <p:txBody>
+          <a:bodyPr rtlCol="0" anchor="ctr"/>
+          <a:lstStyle/>
+          <a:p>
+            <a:pPr algn="ctr"/>
+            <a:endParaRPr lang="en-GB"/>
+          </a:p>
+        </p:txBody>
+      </p:sp>
+      <p:sp>
+        <p:nvSpPr>
+          <p:cNvPr id="7" name="Rectangle: Rounded Corners 6">
             <a:extLst>
               <a:ext uri="{FF2B5EF4-FFF2-40B4-BE49-F238E27FC236}">
-                <a16:creationId xmlns:a16="http://schemas.microsoft.com/office/drawing/2014/main" id="{CCE05875-F6CA-4705-997D-BC388DBC7454}"/>
+                <a16:creationId xmlns:a16="http://schemas.microsoft.com/office/drawing/2014/main" id="{688764EF-F087-4E4D-BB11-B43B542A3B7A}"/>
               </a:ext>
             </a:extLst>
           </p:cNvPr>
-          <p:cNvPicPr>
-            <a:picLocks noChangeAspect="1"/>
-          </p:cNvPicPr>
+          <p:cNvSpPr/>
           <p:nvPr/>
-        </p:nvPicPr>
-        <p:blipFill>
-          <a:blip r:embed="rId8">
+        </p:nvSpPr>
+        <p:spPr>
+          <a:xfrm>
+            <a:off x="671952" y="1939171"/>
+            <a:ext cx="1157453" cy="595085"/>
+          </a:xfrm>
+          <a:prstGeom prst="roundRect">
+            <a:avLst/>
+          </a:prstGeom>
+        </p:spPr>
+        <p:style>
+          <a:lnRef idx="2">
+            <a:schemeClr val="accent1">
+              <a:shade val="50000"/>
+            </a:schemeClr>
+          </a:lnRef>
+          <a:fillRef idx="1">
+            <a:schemeClr val="accent1"/>
+          </a:fillRef>
+          <a:effectRef idx="0">
+            <a:schemeClr val="accent1"/>
+          </a:effectRef>
+          <a:fontRef idx="minor">
+            <a:schemeClr val="lt1"/>
+          </a:fontRef>
+        </p:style>
+        <p:txBody>
+          <a:bodyPr rtlCol="0" anchor="ctr"/>
+          <a:lstStyle/>
+          <a:p>
+            <a:pPr algn="ctr"/>
+            <a:endParaRPr lang="en-GB"/>
+          </a:p>
+        </p:txBody>
+      </p:sp>
+      <p:sp>
+        <p:nvSpPr>
+          <p:cNvPr id="11" name="Rectangle: Rounded Corners 10">
             <a:extLst>
-              <a:ext uri="{28A0092B-C50C-407E-A947-70E740481C1C}">
-                <a14:useLocalDpi xmlns:a14="http://schemas.microsoft.com/office/drawing/2010/main" val="0"/>
+              <a:ext uri="{FF2B5EF4-FFF2-40B4-BE49-F238E27FC236}">
+                <a16:creationId xmlns:a16="http://schemas.microsoft.com/office/drawing/2014/main" id="{75F401DF-EA2D-41B6-B23B-A1297C78A542}"/>
               </a:ext>
             </a:extLst>
-          </a:blip>
-          <a:stretch>
-            <a:fillRect/>
-          </a:stretch>
-        </p:blipFill>
+          </p:cNvPr>
+          <p:cNvSpPr/>
+          <p:nvPr/>
+        </p:nvSpPr>
         <p:spPr>
           <a:xfrm>
-            <a:off x="1829405" y="499758"/>
-            <a:ext cx="1376588" cy="941171"/>
-          </a:xfrm>
-          <a:prstGeom prst="rect">
+            <a:off x="2627266" y="1939170"/>
+            <a:ext cx="1157453" cy="595085"/>
+          </a:xfrm>
+          <a:prstGeom prst="roundRect">
             <a:avLst/>
           </a:prstGeom>
         </p:spPr>
-      </p:pic>
+        <p:style>
+          <a:lnRef idx="2">
+            <a:schemeClr val="accent1">
+              <a:shade val="50000"/>
+            </a:schemeClr>
+          </a:lnRef>
+          <a:fillRef idx="1">
+            <a:schemeClr val="accent1"/>
+          </a:fillRef>
+          <a:effectRef idx="0">
+            <a:schemeClr val="accent1"/>
+          </a:effectRef>
+          <a:fontRef idx="minor">
+            <a:schemeClr val="lt1"/>
+          </a:fontRef>
+        </p:style>
+        <p:txBody>
+          <a:bodyPr rtlCol="0" anchor="ctr"/>
+          <a:lstStyle/>
+          <a:p>
+            <a:pPr algn="ctr"/>
+            <a:endParaRPr lang="en-GB"/>
+          </a:p>
+        </p:txBody>
+      </p:sp>
+      <p:sp>
+        <p:nvSpPr>
+          <p:cNvPr id="12" name="Rectangle: Rounded Corners 11">
+            <a:extLst>
+              <a:ext uri="{FF2B5EF4-FFF2-40B4-BE49-F238E27FC236}">
+                <a16:creationId xmlns:a16="http://schemas.microsoft.com/office/drawing/2014/main" id="{9AEB1862-DF02-474D-AF92-B4C7D66C65E1}"/>
+              </a:ext>
+            </a:extLst>
+          </p:cNvPr>
+          <p:cNvSpPr/>
+          <p:nvPr/>
+        </p:nvSpPr>
+        <p:spPr>
+          <a:xfrm>
+            <a:off x="671951" y="4533214"/>
+            <a:ext cx="1157453" cy="595085"/>
+          </a:xfrm>
+          <a:prstGeom prst="roundRect">
+            <a:avLst/>
+          </a:prstGeom>
+        </p:spPr>
+        <p:style>
+          <a:lnRef idx="2">
+            <a:schemeClr val="accent1">
+              <a:shade val="50000"/>
+            </a:schemeClr>
+          </a:lnRef>
+          <a:fillRef idx="1">
+            <a:schemeClr val="accent1"/>
+          </a:fillRef>
+          <a:effectRef idx="0">
+            <a:schemeClr val="accent1"/>
+          </a:effectRef>
+          <a:fontRef idx="minor">
+            <a:schemeClr val="lt1"/>
+          </a:fontRef>
+        </p:style>
+        <p:txBody>
+          <a:bodyPr rtlCol="0" anchor="ctr"/>
+          <a:lstStyle/>
+          <a:p>
+            <a:pPr algn="ctr"/>
+            <a:endParaRPr lang="en-GB" dirty="0"/>
+          </a:p>
+        </p:txBody>
+      </p:sp>
+      <p:sp>
+        <p:nvSpPr>
+          <p:cNvPr id="13" name="Rectangle: Rounded Corners 12">
+            <a:extLst>
+              <a:ext uri="{FF2B5EF4-FFF2-40B4-BE49-F238E27FC236}">
+                <a16:creationId xmlns:a16="http://schemas.microsoft.com/office/drawing/2014/main" id="{4802DC44-1AA7-41A8-A017-E8CCCA2B249B}"/>
+              </a:ext>
+            </a:extLst>
+          </p:cNvPr>
+          <p:cNvSpPr/>
+          <p:nvPr/>
+        </p:nvSpPr>
+        <p:spPr>
+          <a:xfrm>
+            <a:off x="2627265" y="3640587"/>
+            <a:ext cx="1157453" cy="595085"/>
+          </a:xfrm>
+          <a:prstGeom prst="roundRect">
+            <a:avLst/>
+          </a:prstGeom>
+        </p:spPr>
+        <p:style>
+          <a:lnRef idx="2">
+            <a:schemeClr val="accent1">
+              <a:shade val="50000"/>
+            </a:schemeClr>
+          </a:lnRef>
+          <a:fillRef idx="1">
+            <a:schemeClr val="accent1"/>
+          </a:fillRef>
+          <a:effectRef idx="0">
+            <a:schemeClr val="accent1"/>
+          </a:effectRef>
+          <a:fontRef idx="minor">
+            <a:schemeClr val="lt1"/>
+          </a:fontRef>
+        </p:style>
+        <p:txBody>
+          <a:bodyPr rtlCol="0" anchor="ctr"/>
+          <a:lstStyle/>
+          <a:p>
+            <a:pPr algn="ctr"/>
+            <a:endParaRPr lang="en-GB"/>
+          </a:p>
+        </p:txBody>
+      </p:sp>
+      <p:sp>
+        <p:nvSpPr>
+          <p:cNvPr id="14" name="Rectangle: Rounded Corners 13">
+            <a:extLst>
+              <a:ext uri="{FF2B5EF4-FFF2-40B4-BE49-F238E27FC236}">
+                <a16:creationId xmlns:a16="http://schemas.microsoft.com/office/drawing/2014/main" id="{7BDF7F5A-BBFC-4696-BAE1-686B129D9C82}"/>
+              </a:ext>
+            </a:extLst>
+          </p:cNvPr>
+          <p:cNvSpPr/>
+          <p:nvPr/>
+        </p:nvSpPr>
+        <p:spPr>
+          <a:xfrm>
+            <a:off x="2627264" y="5144999"/>
+            <a:ext cx="1157453" cy="595085"/>
+          </a:xfrm>
+          <a:prstGeom prst="roundRect">
+            <a:avLst/>
+          </a:prstGeom>
+        </p:spPr>
+        <p:style>
+          <a:lnRef idx="2">
+            <a:schemeClr val="accent1">
+              <a:shade val="50000"/>
+            </a:schemeClr>
+          </a:lnRef>
+          <a:fillRef idx="1">
+            <a:schemeClr val="accent1"/>
+          </a:fillRef>
+          <a:effectRef idx="0">
+            <a:schemeClr val="accent1"/>
+          </a:effectRef>
+          <a:fontRef idx="minor">
+            <a:schemeClr val="lt1"/>
+          </a:fontRef>
+        </p:style>
+        <p:txBody>
+          <a:bodyPr rtlCol="0" anchor="ctr"/>
+          <a:lstStyle/>
+          <a:p>
+            <a:pPr algn="ctr"/>
+            <a:endParaRPr lang="en-GB"/>
+          </a:p>
+        </p:txBody>
+      </p:sp>
+      <p:sp>
+        <p:nvSpPr>
+          <p:cNvPr id="15" name="Rectangle: Rounded Corners 14">
+            <a:extLst>
+              <a:ext uri="{FF2B5EF4-FFF2-40B4-BE49-F238E27FC236}">
+                <a16:creationId xmlns:a16="http://schemas.microsoft.com/office/drawing/2014/main" id="{58A549D2-0534-4B93-8E34-76395480773F}"/>
+              </a:ext>
+            </a:extLst>
+          </p:cNvPr>
+          <p:cNvSpPr/>
+          <p:nvPr/>
+        </p:nvSpPr>
+        <p:spPr>
+          <a:xfrm>
+            <a:off x="2623396" y="6060699"/>
+            <a:ext cx="1157453" cy="595085"/>
+          </a:xfrm>
+          <a:prstGeom prst="roundRect">
+            <a:avLst/>
+          </a:prstGeom>
+        </p:spPr>
+        <p:style>
+          <a:lnRef idx="2">
+            <a:schemeClr val="accent1">
+              <a:shade val="50000"/>
+            </a:schemeClr>
+          </a:lnRef>
+          <a:fillRef idx="1">
+            <a:schemeClr val="accent1"/>
+          </a:fillRef>
+          <a:effectRef idx="0">
+            <a:schemeClr val="accent1"/>
+          </a:effectRef>
+          <a:fontRef idx="minor">
+            <a:schemeClr val="lt1"/>
+          </a:fontRef>
+        </p:style>
+        <p:txBody>
+          <a:bodyPr rtlCol="0" anchor="ctr"/>
+          <a:lstStyle/>
+          <a:p>
+            <a:pPr algn="ctr"/>
+            <a:endParaRPr lang="en-GB"/>
+          </a:p>
+        </p:txBody>
+      </p:sp>
+      <p:sp>
+        <p:nvSpPr>
+          <p:cNvPr id="3" name="Diamond 2">
+            <a:extLst>
+              <a:ext uri="{FF2B5EF4-FFF2-40B4-BE49-F238E27FC236}">
+                <a16:creationId xmlns:a16="http://schemas.microsoft.com/office/drawing/2014/main" id="{D54B63B8-3866-4678-AAEE-C45111246C0C}"/>
+              </a:ext>
+            </a:extLst>
+          </p:cNvPr>
+          <p:cNvSpPr/>
+          <p:nvPr/>
+        </p:nvSpPr>
+        <p:spPr>
+          <a:xfrm>
+            <a:off x="2623396" y="2909620"/>
+            <a:ext cx="1157453" cy="508568"/>
+          </a:xfrm>
+          <a:prstGeom prst="diamond">
+            <a:avLst/>
+          </a:prstGeom>
+          <a:solidFill>
+            <a:schemeClr val="bg1"/>
+          </a:solidFill>
+        </p:spPr>
+        <p:style>
+          <a:lnRef idx="2">
+            <a:schemeClr val="accent1">
+              <a:shade val="50000"/>
+            </a:schemeClr>
+          </a:lnRef>
+          <a:fillRef idx="1">
+            <a:schemeClr val="accent1"/>
+          </a:fillRef>
+          <a:effectRef idx="0">
+            <a:schemeClr val="accent1"/>
+          </a:effectRef>
+          <a:fontRef idx="minor">
+            <a:schemeClr val="lt1"/>
+          </a:fontRef>
+        </p:style>
+        <p:txBody>
+          <a:bodyPr rtlCol="0" anchor="ctr"/>
+          <a:lstStyle/>
+          <a:p>
+            <a:pPr algn="ctr"/>
+            <a:endParaRPr lang="en-GB"/>
+          </a:p>
+        </p:txBody>
+      </p:sp>
+      <p:sp>
+        <p:nvSpPr>
+          <p:cNvPr id="16" name="Diamond 15">
+            <a:extLst>
+              <a:ext uri="{FF2B5EF4-FFF2-40B4-BE49-F238E27FC236}">
+                <a16:creationId xmlns:a16="http://schemas.microsoft.com/office/drawing/2014/main" id="{4B3F4E4E-7D87-45FA-B226-3A52ECF9459A}"/>
+              </a:ext>
+            </a:extLst>
+          </p:cNvPr>
+          <p:cNvSpPr/>
+          <p:nvPr/>
+        </p:nvSpPr>
+        <p:spPr>
+          <a:xfrm>
+            <a:off x="2623395" y="4385333"/>
+            <a:ext cx="1157453" cy="508568"/>
+          </a:xfrm>
+          <a:prstGeom prst="diamond">
+            <a:avLst/>
+          </a:prstGeom>
+          <a:solidFill>
+            <a:schemeClr val="bg1"/>
+          </a:solidFill>
+        </p:spPr>
+        <p:style>
+          <a:lnRef idx="2">
+            <a:schemeClr val="accent1">
+              <a:shade val="50000"/>
+            </a:schemeClr>
+          </a:lnRef>
+          <a:fillRef idx="1">
+            <a:schemeClr val="accent1"/>
+          </a:fillRef>
+          <a:effectRef idx="0">
+            <a:schemeClr val="accent1"/>
+          </a:effectRef>
+          <a:fontRef idx="minor">
+            <a:schemeClr val="lt1"/>
+          </a:fontRef>
+        </p:style>
+        <p:txBody>
+          <a:bodyPr rtlCol="0" anchor="ctr"/>
+          <a:lstStyle/>
+          <a:p>
+            <a:pPr algn="ctr"/>
+            <a:endParaRPr lang="en-GB"/>
+          </a:p>
+        </p:txBody>
+      </p:sp>
+      <p:sp>
+        <p:nvSpPr>
+          <p:cNvPr id="17" name="Rectangle: Rounded Corners 16">
+            <a:extLst>
+              <a:ext uri="{FF2B5EF4-FFF2-40B4-BE49-F238E27FC236}">
+                <a16:creationId xmlns:a16="http://schemas.microsoft.com/office/drawing/2014/main" id="{35D4ED3F-E063-497D-BCCC-7DBC17E9D315}"/>
+              </a:ext>
+            </a:extLst>
+          </p:cNvPr>
+          <p:cNvSpPr/>
+          <p:nvPr/>
+        </p:nvSpPr>
+        <p:spPr>
+          <a:xfrm>
+            <a:off x="4613451" y="3640587"/>
+            <a:ext cx="1157453" cy="595085"/>
+          </a:xfrm>
+          <a:prstGeom prst="roundRect">
+            <a:avLst/>
+          </a:prstGeom>
+        </p:spPr>
+        <p:style>
+          <a:lnRef idx="2">
+            <a:schemeClr val="accent1">
+              <a:shade val="50000"/>
+            </a:schemeClr>
+          </a:lnRef>
+          <a:fillRef idx="1">
+            <a:schemeClr val="accent1"/>
+          </a:fillRef>
+          <a:effectRef idx="0">
+            <a:schemeClr val="accent1"/>
+          </a:effectRef>
+          <a:fontRef idx="minor">
+            <a:schemeClr val="lt1"/>
+          </a:fontRef>
+        </p:style>
+        <p:txBody>
+          <a:bodyPr rtlCol="0" anchor="ctr"/>
+          <a:lstStyle/>
+          <a:p>
+            <a:pPr algn="ctr"/>
+            <a:endParaRPr lang="en-GB" dirty="0"/>
+          </a:p>
+        </p:txBody>
+      </p:sp>
+      <p:sp>
+        <p:nvSpPr>
+          <p:cNvPr id="19" name="Rectangle: Rounded Corners 18">
+            <a:extLst>
+              <a:ext uri="{FF2B5EF4-FFF2-40B4-BE49-F238E27FC236}">
+                <a16:creationId xmlns:a16="http://schemas.microsoft.com/office/drawing/2014/main" id="{D0124E73-3320-4198-8076-974578549B53}"/>
+              </a:ext>
+            </a:extLst>
+          </p:cNvPr>
+          <p:cNvSpPr/>
+          <p:nvPr/>
+        </p:nvSpPr>
+        <p:spPr>
+          <a:xfrm>
+            <a:off x="4613450" y="4392793"/>
+            <a:ext cx="1157453" cy="595085"/>
+          </a:xfrm>
+          <a:prstGeom prst="roundRect">
+            <a:avLst/>
+          </a:prstGeom>
+        </p:spPr>
+        <p:style>
+          <a:lnRef idx="2">
+            <a:schemeClr val="accent1">
+              <a:shade val="50000"/>
+            </a:schemeClr>
+          </a:lnRef>
+          <a:fillRef idx="1">
+            <a:schemeClr val="accent1"/>
+          </a:fillRef>
+          <a:effectRef idx="0">
+            <a:schemeClr val="accent1"/>
+          </a:effectRef>
+          <a:fontRef idx="minor">
+            <a:schemeClr val="lt1"/>
+          </a:fontRef>
+        </p:style>
+        <p:txBody>
+          <a:bodyPr rtlCol="0" anchor="ctr"/>
+          <a:lstStyle/>
+          <a:p>
+            <a:pPr algn="ctr"/>
+            <a:endParaRPr lang="en-GB" dirty="0"/>
+          </a:p>
+        </p:txBody>
+      </p:sp>
+      <p:sp>
+        <p:nvSpPr>
+          <p:cNvPr id="20" name="Rectangle: Rounded Corners 19">
+            <a:extLst>
+              <a:ext uri="{FF2B5EF4-FFF2-40B4-BE49-F238E27FC236}">
+                <a16:creationId xmlns:a16="http://schemas.microsoft.com/office/drawing/2014/main" id="{A9A05080-9501-4C5D-8EBC-9DE42130FEB5}"/>
+              </a:ext>
+            </a:extLst>
+          </p:cNvPr>
+          <p:cNvSpPr/>
+          <p:nvPr/>
+        </p:nvSpPr>
+        <p:spPr>
+          <a:xfrm>
+            <a:off x="4613450" y="5144999"/>
+            <a:ext cx="1157453" cy="595085"/>
+          </a:xfrm>
+          <a:prstGeom prst="roundRect">
+            <a:avLst/>
+          </a:prstGeom>
+        </p:spPr>
+        <p:style>
+          <a:lnRef idx="2">
+            <a:schemeClr val="accent1">
+              <a:shade val="50000"/>
+            </a:schemeClr>
+          </a:lnRef>
+          <a:fillRef idx="1">
+            <a:schemeClr val="accent1"/>
+          </a:fillRef>
+          <a:effectRef idx="0">
+            <a:schemeClr val="accent1"/>
+          </a:effectRef>
+          <a:fontRef idx="minor">
+            <a:schemeClr val="lt1"/>
+          </a:fontRef>
+        </p:style>
+        <p:txBody>
+          <a:bodyPr rtlCol="0" anchor="ctr"/>
+          <a:lstStyle/>
+          <a:p>
+            <a:pPr algn="ctr"/>
+            <a:endParaRPr lang="en-GB" dirty="0"/>
+          </a:p>
+        </p:txBody>
+      </p:sp>
+      <p:sp>
+        <p:nvSpPr>
+          <p:cNvPr id="21" name="Rectangle: Rounded Corners 20">
+            <a:extLst>
+              <a:ext uri="{FF2B5EF4-FFF2-40B4-BE49-F238E27FC236}">
+                <a16:creationId xmlns:a16="http://schemas.microsoft.com/office/drawing/2014/main" id="{7FB2A80F-47A3-4F01-90E9-79DB02C35CCC}"/>
+              </a:ext>
+            </a:extLst>
+          </p:cNvPr>
+          <p:cNvSpPr/>
+          <p:nvPr/>
+        </p:nvSpPr>
+        <p:spPr>
+          <a:xfrm>
+            <a:off x="6218852" y="2789878"/>
+            <a:ext cx="1157453" cy="595085"/>
+          </a:xfrm>
+          <a:prstGeom prst="roundRect">
+            <a:avLst/>
+          </a:prstGeom>
+        </p:spPr>
+        <p:style>
+          <a:lnRef idx="2">
+            <a:schemeClr val="accent1">
+              <a:shade val="50000"/>
+            </a:schemeClr>
+          </a:lnRef>
+          <a:fillRef idx="1">
+            <a:schemeClr val="accent1"/>
+          </a:fillRef>
+          <a:effectRef idx="0">
+            <a:schemeClr val="accent1"/>
+          </a:effectRef>
+          <a:fontRef idx="minor">
+            <a:schemeClr val="lt1"/>
+          </a:fontRef>
+        </p:style>
+        <p:txBody>
+          <a:bodyPr rtlCol="0" anchor="ctr"/>
+          <a:lstStyle/>
+          <a:p>
+            <a:pPr algn="ctr"/>
+            <a:endParaRPr lang="en-GB" dirty="0"/>
+          </a:p>
+        </p:txBody>
+      </p:sp>
+      <p:sp>
+        <p:nvSpPr>
+          <p:cNvPr id="22" name="Rectangle: Rounded Corners 21">
+            <a:extLst>
+              <a:ext uri="{FF2B5EF4-FFF2-40B4-BE49-F238E27FC236}">
+                <a16:creationId xmlns:a16="http://schemas.microsoft.com/office/drawing/2014/main" id="{46D18990-2B5D-4B59-BB62-3F2586C57075}"/>
+              </a:ext>
+            </a:extLst>
+          </p:cNvPr>
+          <p:cNvSpPr/>
+          <p:nvPr/>
+        </p:nvSpPr>
+        <p:spPr>
+          <a:xfrm>
+            <a:off x="6218851" y="6052502"/>
+            <a:ext cx="1157453" cy="595085"/>
+          </a:xfrm>
+          <a:prstGeom prst="roundRect">
+            <a:avLst/>
+          </a:prstGeom>
+        </p:spPr>
+        <p:style>
+          <a:lnRef idx="2">
+            <a:schemeClr val="accent1">
+              <a:shade val="50000"/>
+            </a:schemeClr>
+          </a:lnRef>
+          <a:fillRef idx="1">
+            <a:schemeClr val="accent1"/>
+          </a:fillRef>
+          <a:effectRef idx="0">
+            <a:schemeClr val="accent1"/>
+          </a:effectRef>
+          <a:fontRef idx="minor">
+            <a:schemeClr val="lt1"/>
+          </a:fontRef>
+        </p:style>
+        <p:txBody>
+          <a:bodyPr rtlCol="0" anchor="ctr"/>
+          <a:lstStyle/>
+          <a:p>
+            <a:pPr algn="ctr"/>
+            <a:endParaRPr lang="en-GB" dirty="0"/>
+          </a:p>
+        </p:txBody>
+      </p:sp>
+      <p:sp>
+        <p:nvSpPr>
+          <p:cNvPr id="23" name="Rectangle: Rounded Corners 22">
+            <a:extLst>
+              <a:ext uri="{FF2B5EF4-FFF2-40B4-BE49-F238E27FC236}">
+                <a16:creationId xmlns:a16="http://schemas.microsoft.com/office/drawing/2014/main" id="{13E0223A-0943-4B4A-87F0-5734B2554306}"/>
+              </a:ext>
+            </a:extLst>
+          </p:cNvPr>
+          <p:cNvSpPr/>
+          <p:nvPr/>
+        </p:nvSpPr>
+        <p:spPr>
+          <a:xfrm>
+            <a:off x="8986007" y="2415996"/>
+            <a:ext cx="1157453" cy="595085"/>
+          </a:xfrm>
+          <a:prstGeom prst="roundRect">
+            <a:avLst/>
+          </a:prstGeom>
+        </p:spPr>
+        <p:style>
+          <a:lnRef idx="2">
+            <a:schemeClr val="accent1">
+              <a:shade val="50000"/>
+            </a:schemeClr>
+          </a:lnRef>
+          <a:fillRef idx="1">
+            <a:schemeClr val="accent1"/>
+          </a:fillRef>
+          <a:effectRef idx="0">
+            <a:schemeClr val="accent1"/>
+          </a:effectRef>
+          <a:fontRef idx="minor">
+            <a:schemeClr val="lt1"/>
+          </a:fontRef>
+        </p:style>
+        <p:txBody>
+          <a:bodyPr rtlCol="0" anchor="ctr"/>
+          <a:lstStyle/>
+          <a:p>
+            <a:pPr algn="ctr"/>
+            <a:endParaRPr lang="en-GB" dirty="0"/>
+          </a:p>
+        </p:txBody>
+      </p:sp>
+      <p:sp>
+        <p:nvSpPr>
+          <p:cNvPr id="24" name="Rectangle: Rounded Corners 23">
+            <a:extLst>
+              <a:ext uri="{FF2B5EF4-FFF2-40B4-BE49-F238E27FC236}">
+                <a16:creationId xmlns:a16="http://schemas.microsoft.com/office/drawing/2014/main" id="{7612A8B7-9395-442D-92B8-21DB1E0C1035}"/>
+              </a:ext>
+            </a:extLst>
+          </p:cNvPr>
+          <p:cNvSpPr/>
+          <p:nvPr/>
+        </p:nvSpPr>
+        <p:spPr>
+          <a:xfrm>
+            <a:off x="8986007" y="3526127"/>
+            <a:ext cx="1157453" cy="595085"/>
+          </a:xfrm>
+          <a:prstGeom prst="roundRect">
+            <a:avLst/>
+          </a:prstGeom>
+        </p:spPr>
+        <p:style>
+          <a:lnRef idx="2">
+            <a:schemeClr val="accent1">
+              <a:shade val="50000"/>
+            </a:schemeClr>
+          </a:lnRef>
+          <a:fillRef idx="1">
+            <a:schemeClr val="accent1"/>
+          </a:fillRef>
+          <a:effectRef idx="0">
+            <a:schemeClr val="accent1"/>
+          </a:effectRef>
+          <a:fontRef idx="minor">
+            <a:schemeClr val="lt1"/>
+          </a:fontRef>
+        </p:style>
+        <p:txBody>
+          <a:bodyPr rtlCol="0" anchor="ctr"/>
+          <a:lstStyle/>
+          <a:p>
+            <a:pPr algn="ctr"/>
+            <a:endParaRPr lang="en-GB" dirty="0"/>
+          </a:p>
+        </p:txBody>
+      </p:sp>
+      <p:sp>
+        <p:nvSpPr>
+          <p:cNvPr id="25" name="Rectangle: Rounded Corners 24">
+            <a:extLst>
+              <a:ext uri="{FF2B5EF4-FFF2-40B4-BE49-F238E27FC236}">
+                <a16:creationId xmlns:a16="http://schemas.microsoft.com/office/drawing/2014/main" id="{5D802003-71DC-4113-8EAA-D8A28EE0346E}"/>
+              </a:ext>
+            </a:extLst>
+          </p:cNvPr>
+          <p:cNvSpPr/>
+          <p:nvPr/>
+        </p:nvSpPr>
+        <p:spPr>
+          <a:xfrm>
+            <a:off x="8986007" y="4596358"/>
+            <a:ext cx="1157453" cy="595085"/>
+          </a:xfrm>
+          <a:prstGeom prst="roundRect">
+            <a:avLst/>
+          </a:prstGeom>
+        </p:spPr>
+        <p:style>
+          <a:lnRef idx="2">
+            <a:schemeClr val="accent1">
+              <a:shade val="50000"/>
+            </a:schemeClr>
+          </a:lnRef>
+          <a:fillRef idx="1">
+            <a:schemeClr val="accent1"/>
+          </a:fillRef>
+          <a:effectRef idx="0">
+            <a:schemeClr val="accent1"/>
+          </a:effectRef>
+          <a:fontRef idx="minor">
+            <a:schemeClr val="lt1"/>
+          </a:fontRef>
+        </p:style>
+        <p:txBody>
+          <a:bodyPr rtlCol="0" anchor="ctr"/>
+          <a:lstStyle/>
+          <a:p>
+            <a:pPr algn="ctr"/>
+            <a:endParaRPr lang="en-GB" dirty="0"/>
+          </a:p>
+        </p:txBody>
+      </p:sp>
+      <p:sp>
+        <p:nvSpPr>
+          <p:cNvPr id="26" name="Diamond 25">
+            <a:extLst>
+              <a:ext uri="{FF2B5EF4-FFF2-40B4-BE49-F238E27FC236}">
+                <a16:creationId xmlns:a16="http://schemas.microsoft.com/office/drawing/2014/main" id="{0E97444D-428A-420A-9BF7-53C09C22DC74}"/>
+              </a:ext>
+            </a:extLst>
+          </p:cNvPr>
+          <p:cNvSpPr/>
+          <p:nvPr/>
+        </p:nvSpPr>
+        <p:spPr>
+          <a:xfrm>
+            <a:off x="8986007" y="5231516"/>
+            <a:ext cx="1157453" cy="508568"/>
+          </a:xfrm>
+          <a:prstGeom prst="diamond">
+            <a:avLst/>
+          </a:prstGeom>
+          <a:solidFill>
+            <a:schemeClr val="bg1"/>
+          </a:solidFill>
+        </p:spPr>
+        <p:style>
+          <a:lnRef idx="2">
+            <a:schemeClr val="accent1">
+              <a:shade val="50000"/>
+            </a:schemeClr>
+          </a:lnRef>
+          <a:fillRef idx="1">
+            <a:schemeClr val="accent1"/>
+          </a:fillRef>
+          <a:effectRef idx="0">
+            <a:schemeClr val="accent1"/>
+          </a:effectRef>
+          <a:fontRef idx="minor">
+            <a:schemeClr val="lt1"/>
+          </a:fontRef>
+        </p:style>
+        <p:txBody>
+          <a:bodyPr rtlCol="0" anchor="ctr"/>
+          <a:lstStyle/>
+          <a:p>
+            <a:pPr algn="ctr"/>
+            <a:endParaRPr lang="en-GB"/>
+          </a:p>
+        </p:txBody>
+      </p:sp>
+      <p:sp>
+        <p:nvSpPr>
+          <p:cNvPr id="27" name="Rectangle: Rounded Corners 26">
+            <a:extLst>
+              <a:ext uri="{FF2B5EF4-FFF2-40B4-BE49-F238E27FC236}">
+                <a16:creationId xmlns:a16="http://schemas.microsoft.com/office/drawing/2014/main" id="{9E04F7AF-830C-4D32-88B1-8768402DFE92}"/>
+              </a:ext>
+            </a:extLst>
+          </p:cNvPr>
+          <p:cNvSpPr/>
+          <p:nvPr/>
+        </p:nvSpPr>
+        <p:spPr>
+          <a:xfrm>
+            <a:off x="8986007" y="6038972"/>
+            <a:ext cx="1157453" cy="595085"/>
+          </a:xfrm>
+          <a:prstGeom prst="roundRect">
+            <a:avLst/>
+          </a:prstGeom>
+        </p:spPr>
+        <p:style>
+          <a:lnRef idx="2">
+            <a:schemeClr val="accent1">
+              <a:shade val="50000"/>
+            </a:schemeClr>
+          </a:lnRef>
+          <a:fillRef idx="1">
+            <a:schemeClr val="accent1"/>
+          </a:fillRef>
+          <a:effectRef idx="0">
+            <a:schemeClr val="accent1"/>
+          </a:effectRef>
+          <a:fontRef idx="minor">
+            <a:schemeClr val="lt1"/>
+          </a:fontRef>
+        </p:style>
+        <p:txBody>
+          <a:bodyPr rtlCol="0" anchor="ctr"/>
+          <a:lstStyle/>
+          <a:p>
+            <a:pPr algn="ctr"/>
+            <a:endParaRPr lang="en-GB" dirty="0"/>
+          </a:p>
+        </p:txBody>
+      </p:sp>
     </p:spTree>
     <p:extLst>
       <p:ext uri="{BB962C8B-B14F-4D97-AF65-F5344CB8AC3E}">
